--- a/present.pptx
+++ b/present.pptx
@@ -164,8 +164,8 @@
           <c:layoutTarget val="inner"/>
           <c:xMode val="edge"/>
           <c:yMode val="edge"/>
-          <c:x val="0.12824306929591039"/>
-          <c:y val="0.10709977104113758"/>
+          <c:x val="0.12107960668720791"/>
+          <c:y val="0.12370599759843266"/>
           <c:w val="0.83328689075212103"/>
           <c:h val="0.82614473747035699"/>
         </c:manualLayout>
@@ -178,7 +178,7 @@
           <c:order val="0"/>
           <c:tx>
             <c:strRef>
-              <c:f>工作表2!$D$2</c:f>
+              <c:f>sushiswap!$D$2</c:f>
               <c:strCache>
                 <c:ptCount val="1"/>
                 <c:pt idx="0">
@@ -222,7 +222,7 @@
               <a:effectLst/>
             </c:spPr>
             <c:trendlineType val="poly"/>
-            <c:order val="2"/>
+            <c:order val="5"/>
             <c:dispRSqr val="0"/>
             <c:dispEq val="1"/>
             <c:trendlineLbl>
@@ -264,114 +264,102 @@
           </c:trendline>
           <c:xVal>
             <c:numRef>
-              <c:f>工作表2!$C$3:$C$18</c:f>
+              <c:f>sushiswap!$C$3:$C$20</c:f>
               <c:numCache>
                 <c:formatCode>0.00000_);[Red]\(0.00000\)</c:formatCode>
-                <c:ptCount val="16"/>
+                <c:ptCount val="18"/>
                 <c:pt idx="0">
-                  <c:v>40</c:v>
+                  <c:v>50</c:v>
                 </c:pt>
                 <c:pt idx="1">
-                  <c:v>45</c:v>
+                  <c:v>60</c:v>
                 </c:pt>
                 <c:pt idx="2">
-                  <c:v>50</c:v>
+                  <c:v>70</c:v>
                 </c:pt>
                 <c:pt idx="3">
-                  <c:v>52</c:v>
+                  <c:v>80</c:v>
                 </c:pt>
                 <c:pt idx="4">
-                  <c:v>54</c:v>
+                  <c:v>89</c:v>
                 </c:pt>
                 <c:pt idx="5">
-                  <c:v>55</c:v>
+                  <c:v>90</c:v>
                 </c:pt>
                 <c:pt idx="6">
-                  <c:v>56</c:v>
+                  <c:v>91</c:v>
                 </c:pt>
                 <c:pt idx="7">
-                  <c:v>57</c:v>
+                  <c:v>92</c:v>
                 </c:pt>
                 <c:pt idx="8">
-                  <c:v>57.5</c:v>
+                  <c:v>92.5</c:v>
                 </c:pt>
                 <c:pt idx="9">
-                  <c:v>58</c:v>
+                  <c:v>92.8</c:v>
                 </c:pt>
                 <c:pt idx="10">
-                  <c:v>58.03</c:v>
+                  <c:v>93</c:v>
                 </c:pt>
                 <c:pt idx="11">
-                  <c:v>58.16</c:v>
+                  <c:v>94</c:v>
                 </c:pt>
                 <c:pt idx="12">
-                  <c:v>58.5</c:v>
+                  <c:v>95</c:v>
                 </c:pt>
                 <c:pt idx="13">
-                  <c:v>59</c:v>
-                </c:pt>
-                <c:pt idx="14">
-                  <c:v>60</c:v>
-                </c:pt>
-                <c:pt idx="15">
-                  <c:v>65</c:v>
+                  <c:v>100</c:v>
                 </c:pt>
               </c:numCache>
             </c:numRef>
           </c:xVal>
           <c:yVal>
             <c:numRef>
-              <c:f>工作表2!$D$3:$D$18</c:f>
+              <c:f>sushiswap!$D$3:$D$20</c:f>
               <c:numCache>
                 <c:formatCode>0.000000000_);[Red]\(0.000000000\)</c:formatCode>
-                <c:ptCount val="16"/>
+                <c:ptCount val="18"/>
                 <c:pt idx="0">
-                  <c:v>39.625573513161903</c:v>
+                  <c:v>54.252700614352598</c:v>
                 </c:pt>
                 <c:pt idx="1">
-                  <c:v>41.6416702842549</c:v>
+                  <c:v>60.313934488374798</c:v>
                 </c:pt>
                 <c:pt idx="2">
-                  <c:v>43.005439545881401</c:v>
+                  <c:v>64.763225930906103</c:v>
                 </c:pt>
                 <c:pt idx="3">
-                  <c:v>43.368297474535503</c:v>
+                  <c:v>67.593581862319795</c:v>
                 </c:pt>
                 <c:pt idx="4">
-                  <c:v>43.626790924322798</c:v>
+                  <c:v>68.750844895664898</c:v>
                 </c:pt>
                 <c:pt idx="5">
-                  <c:v>43.716898116754599</c:v>
+                  <c:v>68.797898339333102</c:v>
                 </c:pt>
                 <c:pt idx="6">
-                  <c:v>43.780910347107898</c:v>
+                  <c:v>68.828618240260894</c:v>
                 </c:pt>
                 <c:pt idx="7">
-                  <c:v>43.818831488312398</c:v>
+                  <c:v>68.842997229359</c:v>
                 </c:pt>
                 <c:pt idx="8">
-                  <c:v>43.828006723770599</c:v>
+                  <c:v>68.844057040537606</c:v>
                 </c:pt>
                 <c:pt idx="9">
-                  <c:v>43.830658523487401</c:v>
+                  <c:v>68.842730724713604</c:v>
                 </c:pt>
                 <c:pt idx="10">
-                  <c:v>43.830610109440201</c:v>
+                  <c:v>68.841028744451904</c:v>
                 </c:pt>
                 <c:pt idx="11">
-                  <c:v>43.830129274957002</c:v>
+                  <c:v>68.822704670162594</c:v>
                 </c:pt>
                 <c:pt idx="12">
-                  <c:v>43.826786749152703</c:v>
+                  <c:v>68.788017565632003</c:v>
                 </c:pt>
                 <c:pt idx="13">
-                  <c:v>43.816391111853001</c:v>
-                </c:pt>
-                <c:pt idx="14">
-                  <c:v>43.776030759588203</c:v>
-                </c:pt>
-                <c:pt idx="15">
-                  <c:v>43.182786948034398</c:v>
+                  <c:v>17.874341149610999</c:v>
                 </c:pt>
               </c:numCache>
             </c:numRef>
@@ -379,7 +367,7 @@
           <c:smooth val="1"/>
           <c:extLst>
             <c:ext xmlns:c16="http://schemas.microsoft.com/office/drawing/2014/chart" uri="{C3380CC4-5D6E-409C-BE32-E72D297353CC}">
-              <c16:uniqueId val="{00000001-F52B-407A-BCA2-575DE48B46D6}"/>
+              <c16:uniqueId val="{00000001-F40F-484A-B09A-0D762A655DC0}"/>
             </c:ext>
           </c:extLst>
         </c:ser>
@@ -2102,7 +2090,11 @@
         <a:p>
           <a:r>
             <a:rPr lang="en-US" altLang="zh-HK" dirty="0"/>
-            <a:t>Repay Flash Loan</a:t>
+            <a:t>Repay Flash Loan via </a:t>
+          </a:r>
+          <a:r>
+            <a:rPr lang="en-US" altLang="zh-HK" dirty="0" err="1"/>
+            <a:t>SushiSwap</a:t>
           </a:r>
           <a:endParaRPr lang="zh-HK" altLang="en-US" dirty="0"/>
         </a:p>
@@ -2951,7 +2943,11 @@
           </a:pPr>
           <a:r>
             <a:rPr lang="en-US" altLang="zh-HK" sz="2500" kern="1200" dirty="0"/>
-            <a:t>Repay Flash Loan</a:t>
+            <a:t>Repay Flash Loan via </a:t>
+          </a:r>
+          <a:r>
+            <a:rPr lang="en-US" altLang="zh-HK" sz="2500" kern="1200" dirty="0" err="1"/>
+            <a:t>SushiSwap</a:t>
           </a:r>
           <a:endParaRPr lang="zh-HK" altLang="en-US" sz="2500" kern="1200" dirty="0"/>
         </a:p>
@@ -4416,7 +4412,7 @@
           <a:p>
             <a:fld id="{FEDBB248-45A5-43D4-B8A2-F6D5D43AD0AB}" type="datetimeFigureOut">
               <a:rPr lang="zh-HK" altLang="en-US" smtClean="0"/>
-              <a:t>17/3/2025</a:t>
+              <a:t>20/3/2025</a:t>
             </a:fld>
             <a:endParaRPr lang="zh-HK" altLang="en-US"/>
           </a:p>
@@ -4616,7 +4612,7 @@
           <a:p>
             <a:fld id="{FEDBB248-45A5-43D4-B8A2-F6D5D43AD0AB}" type="datetimeFigureOut">
               <a:rPr lang="zh-HK" altLang="en-US" smtClean="0"/>
-              <a:t>17/3/2025</a:t>
+              <a:t>20/3/2025</a:t>
             </a:fld>
             <a:endParaRPr lang="zh-HK" altLang="en-US"/>
           </a:p>
@@ -4826,7 +4822,7 @@
           <a:p>
             <a:fld id="{FEDBB248-45A5-43D4-B8A2-F6D5D43AD0AB}" type="datetimeFigureOut">
               <a:rPr lang="zh-HK" altLang="en-US" smtClean="0"/>
-              <a:t>17/3/2025</a:t>
+              <a:t>20/3/2025</a:t>
             </a:fld>
             <a:endParaRPr lang="zh-HK" altLang="en-US"/>
           </a:p>
@@ -5026,7 +5022,7 @@
           <a:p>
             <a:fld id="{FEDBB248-45A5-43D4-B8A2-F6D5D43AD0AB}" type="datetimeFigureOut">
               <a:rPr lang="zh-HK" altLang="en-US" smtClean="0"/>
-              <a:t>17/3/2025</a:t>
+              <a:t>20/3/2025</a:t>
             </a:fld>
             <a:endParaRPr lang="zh-HK" altLang="en-US"/>
           </a:p>
@@ -5302,7 +5298,7 @@
           <a:p>
             <a:fld id="{FEDBB248-45A5-43D4-B8A2-F6D5D43AD0AB}" type="datetimeFigureOut">
               <a:rPr lang="zh-HK" altLang="en-US" smtClean="0"/>
-              <a:t>17/3/2025</a:t>
+              <a:t>20/3/2025</a:t>
             </a:fld>
             <a:endParaRPr lang="zh-HK" altLang="en-US"/>
           </a:p>
@@ -5570,7 +5566,7 @@
           <a:p>
             <a:fld id="{FEDBB248-45A5-43D4-B8A2-F6D5D43AD0AB}" type="datetimeFigureOut">
               <a:rPr lang="zh-HK" altLang="en-US" smtClean="0"/>
-              <a:t>17/3/2025</a:t>
+              <a:t>20/3/2025</a:t>
             </a:fld>
             <a:endParaRPr lang="zh-HK" altLang="en-US"/>
           </a:p>
@@ -5985,7 +5981,7 @@
           <a:p>
             <a:fld id="{FEDBB248-45A5-43D4-B8A2-F6D5D43AD0AB}" type="datetimeFigureOut">
               <a:rPr lang="zh-HK" altLang="en-US" smtClean="0"/>
-              <a:t>17/3/2025</a:t>
+              <a:t>20/3/2025</a:t>
             </a:fld>
             <a:endParaRPr lang="zh-HK" altLang="en-US"/>
           </a:p>
@@ -6127,7 +6123,7 @@
           <a:p>
             <a:fld id="{FEDBB248-45A5-43D4-B8A2-F6D5D43AD0AB}" type="datetimeFigureOut">
               <a:rPr lang="zh-HK" altLang="en-US" smtClean="0"/>
-              <a:t>17/3/2025</a:t>
+              <a:t>20/3/2025</a:t>
             </a:fld>
             <a:endParaRPr lang="zh-HK" altLang="en-US"/>
           </a:p>
@@ -6240,7 +6236,7 @@
           <a:p>
             <a:fld id="{FEDBB248-45A5-43D4-B8A2-F6D5D43AD0AB}" type="datetimeFigureOut">
               <a:rPr lang="zh-HK" altLang="en-US" smtClean="0"/>
-              <a:t>17/3/2025</a:t>
+              <a:t>20/3/2025</a:t>
             </a:fld>
             <a:endParaRPr lang="zh-HK" altLang="en-US"/>
           </a:p>
@@ -6553,7 +6549,7 @@
           <a:p>
             <a:fld id="{FEDBB248-45A5-43D4-B8A2-F6D5D43AD0AB}" type="datetimeFigureOut">
               <a:rPr lang="zh-HK" altLang="en-US" smtClean="0"/>
-              <a:t>17/3/2025</a:t>
+              <a:t>20/3/2025</a:t>
             </a:fld>
             <a:endParaRPr lang="zh-HK" altLang="en-US"/>
           </a:p>
@@ -6842,7 +6838,7 @@
           <a:p>
             <a:fld id="{FEDBB248-45A5-43D4-B8A2-F6D5D43AD0AB}" type="datetimeFigureOut">
               <a:rPr lang="zh-HK" altLang="en-US" smtClean="0"/>
-              <a:t>17/3/2025</a:t>
+              <a:t>20/3/2025</a:t>
             </a:fld>
             <a:endParaRPr lang="zh-HK" altLang="en-US"/>
           </a:p>
@@ -7085,7 +7081,7 @@
           <a:p>
             <a:fld id="{FEDBB248-45A5-43D4-B8A2-F6D5D43AD0AB}" type="datetimeFigureOut">
               <a:rPr lang="zh-HK" altLang="en-US" smtClean="0"/>
-              <a:t>17/3/2025</a:t>
+              <a:t>20/3/2025</a:t>
             </a:fld>
             <a:endParaRPr lang="zh-HK" altLang="en-US"/>
           </a:p>
@@ -7623,7 +7619,7 @@
             </a:pPr>
             <a:r>
               <a:rPr lang="en-US" altLang="zh-HK" b="1" dirty="0"/>
-              <a:t>Debt Rapid (USDT)</a:t>
+              <a:t>Debt Repaid (USDT)</a:t>
             </a:r>
             <a:endParaRPr lang="zh-HK" altLang="en-US" b="1" dirty="0"/>
           </a:p>
@@ -7670,7 +7666,7 @@
                 <a:latin typeface="Times New Roman" panose="02020603050405020304" pitchFamily="18" charset="0"/>
                 <a:cs typeface="Times New Roman" panose="02020603050405020304" pitchFamily="18" charset="0"/>
               </a:rPr>
-              <a:t>43.8307 ETH</a:t>
+              <a:t>68.844057 ETH</a:t>
             </a:r>
             <a:endParaRPr lang="zh-HK" altLang="en-US" b="1" dirty="0">
               <a:effectLst>
@@ -7716,6 +7712,20 @@
           <a:p>
             <a:pPr algn="ctr"/>
             <a:r>
+              <a:rPr lang="en-US" altLang="zh-HK" sz="1800" b="1">
+                <a:effectLst>
+                  <a:outerShdw blurRad="38100" dist="38100" dir="2700000" algn="tl">
+                    <a:srgbClr val="000000">
+                      <a:alpha val="43137"/>
+                    </a:srgbClr>
+                  </a:outerShdw>
+                </a:effectLst>
+                <a:latin typeface="Times New Roman" panose="02020603050405020304" pitchFamily="18" charset="0"/>
+                <a:cs typeface="Times New Roman" panose="02020603050405020304" pitchFamily="18" charset="0"/>
+              </a:rPr>
+              <a:t>2,786,446 </a:t>
+            </a:r>
+            <a:r>
               <a:rPr lang="en-US" altLang="zh-HK" sz="1800" b="1" dirty="0">
                 <a:effectLst>
                   <a:outerShdw blurRad="38100" dist="38100" dir="2700000" algn="tl">
@@ -7727,7 +7737,7 @@
                 <a:latin typeface="Times New Roman" panose="02020603050405020304" pitchFamily="18" charset="0"/>
                 <a:cs typeface="Times New Roman" panose="02020603050405020304" pitchFamily="18" charset="0"/>
               </a:rPr>
-              <a:t>1747177 USD</a:t>
+              <a:t>USD</a:t>
             </a:r>
             <a:r>
               <a:rPr lang="en-US" altLang="zh-CN" sz="1800" b="1" dirty="0">
@@ -7817,7 +7827,7 @@
           <p:nvPr>
             <p:extLst>
               <p:ext uri="{D42A27DB-BD31-4B8C-83A1-F6EECF244321}">
-                <p14:modId xmlns:p14="http://schemas.microsoft.com/office/powerpoint/2010/main" val="3826099515"/>
+                <p14:modId xmlns:p14="http://schemas.microsoft.com/office/powerpoint/2010/main" val="301611802"/>
               </p:ext>
             </p:extLst>
           </p:nvPr>
@@ -7894,10 +7904,10 @@
       </p:sp>
       <p:pic>
         <p:nvPicPr>
-          <p:cNvPr id="4" name="圖片 3">
+          <p:cNvPr id="5" name="圖片 4">
             <a:extLst>
               <a:ext uri="{FF2B5EF4-FFF2-40B4-BE49-F238E27FC236}">
-                <a16:creationId xmlns:a16="http://schemas.microsoft.com/office/drawing/2014/main" id="{5A8568B7-59C7-3B00-3AFE-41E5ECB7A6D5}"/>
+                <a16:creationId xmlns:a16="http://schemas.microsoft.com/office/drawing/2014/main" id="{C571EC99-2696-D0BA-1BD9-E8A5D4516BCE}"/>
               </a:ext>
             </a:extLst>
           </p:cNvPr>
@@ -7908,14 +7918,13 @@
         </p:nvPicPr>
         <p:blipFill>
           <a:blip r:embed="rId7"/>
-          <a:stretch>
-            <a:fillRect/>
-          </a:stretch>
+          <a:srcRect t="31617"/>
+          <a:stretch/>
         </p:blipFill>
         <p:spPr>
           <a:xfrm>
-            <a:off x="1102436" y="2521960"/>
-            <a:ext cx="3741844" cy="3710166"/>
+            <a:off x="1190330" y="2556351"/>
+            <a:ext cx="3653950" cy="3728436"/>
           </a:xfrm>
           <a:prstGeom prst="rect">
             <a:avLst/>
@@ -7954,36 +7963,6 @@
       </p:grpSpPr>
       <p:graphicFrame>
         <p:nvGraphicFramePr>
-          <p:cNvPr id="4" name="圖表 3">
-            <a:extLst>
-              <a:ext uri="{FF2B5EF4-FFF2-40B4-BE49-F238E27FC236}">
-                <a16:creationId xmlns:a16="http://schemas.microsoft.com/office/drawing/2014/main" id="{83EF7683-1D3F-C872-64D0-C839125EA8FB}"/>
-              </a:ext>
-            </a:extLst>
-          </p:cNvPr>
-          <p:cNvGraphicFramePr>
-            <a:graphicFrameLocks/>
-          </p:cNvGraphicFramePr>
-          <p:nvPr>
-            <p:extLst>
-              <p:ext uri="{D42A27DB-BD31-4B8C-83A1-F6EECF244321}">
-                <p14:modId xmlns:p14="http://schemas.microsoft.com/office/powerpoint/2010/main" val="500699569"/>
-              </p:ext>
-            </p:extLst>
-          </p:nvPr>
-        </p:nvGraphicFramePr>
-        <p:xfrm>
-          <a:off x="4555330" y="1415526"/>
-          <a:ext cx="7636670" cy="4198145"/>
-        </p:xfrm>
-        <a:graphic>
-          <a:graphicData uri="http://schemas.openxmlformats.org/drawingml/2006/chart">
-            <c:chart xmlns:c="http://schemas.openxmlformats.org/drawingml/2006/chart" xmlns:r="http://schemas.openxmlformats.org/officeDocument/2006/relationships" r:id="rId2"/>
-          </a:graphicData>
-        </a:graphic>
-      </p:graphicFrame>
-      <p:graphicFrame>
-        <p:nvGraphicFramePr>
           <p:cNvPr id="5" name="表格 4">
             <a:extLst>
               <a:ext uri="{FF2B5EF4-FFF2-40B4-BE49-F238E27FC236}">
@@ -7997,14 +7976,14 @@
           <p:nvPr>
             <p:extLst>
               <p:ext uri="{D42A27DB-BD31-4B8C-83A1-F6EECF244321}">
-                <p14:modId xmlns:p14="http://schemas.microsoft.com/office/powerpoint/2010/main" val="493985921"/>
+                <p14:modId xmlns:p14="http://schemas.microsoft.com/office/powerpoint/2010/main" val="1466624190"/>
               </p:ext>
             </p:extLst>
           </p:nvPr>
         </p:nvGraphicFramePr>
         <p:xfrm>
           <a:off x="248378" y="1766570"/>
-          <a:ext cx="3931100" cy="3324860"/>
+          <a:ext cx="3931100" cy="2933700"/>
         </p:xfrm>
         <a:graphic>
           <a:graphicData uri="http://schemas.openxmlformats.org/drawingml/2006/table">
@@ -8041,21 +8020,18 @@
                     <a:bodyPr/>
                     <a:lstStyle/>
                     <a:p>
-                      <a:pPr algn="ctr" fontAlgn="ctr"/>
+                      <a:pPr algn="l" fontAlgn="ctr"/>
                       <a:r>
-                        <a:rPr lang="fr-FR" sz="1200" u="none" strike="noStrike">
+                        <a:rPr lang="fr-FR" sz="1200" b="0" i="0" u="none" strike="noStrike">
+                          <a:solidFill>
+                            <a:srgbClr val="000000"/>
+                          </a:solidFill>
                           <a:effectLst/>
+                          <a:latin typeface="Times New Roman" panose="02020603050405020304" pitchFamily="18" charset="0"/>
+                          <a:ea typeface="新細明體" panose="02020500000000000000" pitchFamily="18" charset="-120"/>
                         </a:rPr>
                         <a:t>debt repay</a:t>
                       </a:r>
-                      <a:endParaRPr lang="fr-FR" sz="1200" b="0" i="0" u="none" strike="noStrike">
-                        <a:solidFill>
-                          <a:srgbClr val="000000"/>
-                        </a:solidFill>
-                        <a:effectLst/>
-                        <a:latin typeface="Times New Roman" panose="02020603050405020304" pitchFamily="18" charset="0"/>
-                        <a:ea typeface="新細明體" panose="02020500000000000000" pitchFamily="18" charset="-120"/>
-                      </a:endParaRPr>
                     </a:p>
                   </a:txBody>
                   <a:tcPr marL="4763" marR="4763" marT="4763" marB="0" anchor="ctr"/>
@@ -8065,21 +8041,18 @@
                     <a:bodyPr/>
                     <a:lstStyle/>
                     <a:p>
-                      <a:pPr algn="ctr" fontAlgn="ctr"/>
+                      <a:pPr algn="l" fontAlgn="ctr"/>
                       <a:r>
-                        <a:rPr lang="fr-FR" sz="1200" u="none" strike="noStrike">
+                        <a:rPr lang="fr-FR" sz="1200" b="0" i="0" u="none" strike="noStrike">
+                          <a:solidFill>
+                            <a:srgbClr val="000000"/>
+                          </a:solidFill>
                           <a:effectLst/>
+                          <a:latin typeface="Times New Roman" panose="02020603050405020304" pitchFamily="18" charset="0"/>
+                          <a:ea typeface="新細明體" panose="02020500000000000000" pitchFamily="18" charset="-120"/>
                         </a:rPr>
                         <a:t>threshold</a:t>
                       </a:r>
-                      <a:endParaRPr lang="fr-FR" sz="1200" b="0" i="0" u="none" strike="noStrike">
-                        <a:solidFill>
-                          <a:srgbClr val="000000"/>
-                        </a:solidFill>
-                        <a:effectLst/>
-                        <a:latin typeface="Times New Roman" panose="02020603050405020304" pitchFamily="18" charset="0"/>
-                        <a:ea typeface="新細明體" panose="02020500000000000000" pitchFamily="18" charset="-120"/>
-                      </a:endParaRPr>
                     </a:p>
                   </a:txBody>
                   <a:tcPr marL="4763" marR="4763" marT="4763" marB="0" anchor="ctr"/>
@@ -8089,21 +8062,18 @@
                     <a:bodyPr/>
                     <a:lstStyle/>
                     <a:p>
-                      <a:pPr algn="ctr" fontAlgn="ctr"/>
+                      <a:pPr algn="l" fontAlgn="ctr"/>
                       <a:r>
-                        <a:rPr lang="fr-FR" sz="1200" u="none" strike="noStrike" dirty="0">
+                        <a:rPr lang="fr-FR" sz="1200" b="0" i="0" u="none" strike="noStrike">
+                          <a:solidFill>
+                            <a:srgbClr val="000000"/>
+                          </a:solidFill>
                           <a:effectLst/>
+                          <a:latin typeface="Times New Roman" panose="02020603050405020304" pitchFamily="18" charset="0"/>
+                          <a:ea typeface="新細明體" panose="02020500000000000000" pitchFamily="18" charset="-120"/>
                         </a:rPr>
                         <a:t>profit</a:t>
                       </a:r>
-                      <a:endParaRPr lang="fr-FR" sz="1200" b="0" i="0" u="none" strike="noStrike" dirty="0">
-                        <a:solidFill>
-                          <a:srgbClr val="000000"/>
-                        </a:solidFill>
-                        <a:effectLst/>
-                        <a:latin typeface="Times New Roman" panose="02020603050405020304" pitchFamily="18" charset="0"/>
-                        <a:ea typeface="新細明體" panose="02020500000000000000" pitchFamily="18" charset="-120"/>
-                      </a:endParaRPr>
                     </a:p>
                   </a:txBody>
                   <a:tcPr marL="4763" marR="4763" marT="4763" marB="0" anchor="ctr"/>
@@ -8122,19 +8092,16 @@
                     <a:p>
                       <a:pPr algn="r" fontAlgn="ctr"/>
                       <a:r>
-                        <a:rPr lang="en-US" altLang="zh-HK" sz="1200" u="none" strike="noStrike">
+                        <a:rPr lang="en-US" altLang="zh-HK" sz="1200" b="0" i="0" u="none" strike="noStrike">
+                          <a:solidFill>
+                            <a:srgbClr val="000000"/>
+                          </a:solidFill>
                           <a:effectLst/>
+                          <a:latin typeface="Times New Roman" panose="02020603050405020304" pitchFamily="18" charset="0"/>
+                          <a:ea typeface="新細明體" panose="02020500000000000000" pitchFamily="18" charset="-120"/>
                         </a:rPr>
-                        <a:t>1204949000000.00 </a:t>
+                        <a:t>1506187000000.00 </a:t>
                       </a:r>
-                      <a:endParaRPr lang="en-US" altLang="zh-HK" sz="1200" b="0" i="0" u="none" strike="noStrike">
-                        <a:solidFill>
-                          <a:srgbClr val="000000"/>
-                        </a:solidFill>
-                        <a:effectLst/>
-                        <a:latin typeface="Times New Roman" panose="02020603050405020304" pitchFamily="18" charset="0"/>
-                        <a:ea typeface="新細明體" panose="02020500000000000000" pitchFamily="18" charset="-120"/>
-                      </a:endParaRPr>
                     </a:p>
                   </a:txBody>
                   <a:tcPr marL="4763" marR="4763" marT="4763" marB="0" anchor="ctr"/>
@@ -8146,19 +8113,16 @@
                     <a:p>
                       <a:pPr algn="r" fontAlgn="ctr"/>
                       <a:r>
-                        <a:rPr lang="en-US" altLang="zh-HK" sz="1200" u="none" strike="noStrike">
+                        <a:rPr lang="en-US" altLang="zh-HK" sz="1200" b="0" i="0" u="none" strike="noStrike">
+                          <a:solidFill>
+                            <a:srgbClr val="000000"/>
+                          </a:solidFill>
                           <a:effectLst/>
+                          <a:latin typeface="Times New Roman" panose="02020603050405020304" pitchFamily="18" charset="0"/>
+                          <a:ea typeface="新細明體" panose="02020500000000000000" pitchFamily="18" charset="-120"/>
                         </a:rPr>
-                        <a:t>40.00000 </a:t>
+                        <a:t>50.00000 </a:t>
                       </a:r>
-                      <a:endParaRPr lang="en-US" altLang="zh-HK" sz="1200" b="0" i="0" u="none" strike="noStrike">
-                        <a:solidFill>
-                          <a:srgbClr val="000000"/>
-                        </a:solidFill>
-                        <a:effectLst/>
-                        <a:latin typeface="Times New Roman" panose="02020603050405020304" pitchFamily="18" charset="0"/>
-                        <a:ea typeface="新細明體" panose="02020500000000000000" pitchFamily="18" charset="-120"/>
-                      </a:endParaRPr>
                     </a:p>
                   </a:txBody>
                   <a:tcPr marL="4763" marR="4763" marT="4763" marB="0" anchor="ctr"/>
@@ -8170,19 +8134,16 @@
                     <a:p>
                       <a:pPr algn="r" fontAlgn="ctr"/>
                       <a:r>
-                        <a:rPr lang="en-US" altLang="zh-HK" sz="1200" u="none" strike="noStrike" dirty="0">
+                        <a:rPr lang="en-US" altLang="zh-HK" sz="1200" b="0" i="0" u="none" strike="noStrike">
+                          <a:solidFill>
+                            <a:srgbClr val="000000"/>
+                          </a:solidFill>
                           <a:effectLst/>
+                          <a:latin typeface="Times New Roman" panose="02020603050405020304" pitchFamily="18" charset="0"/>
+                          <a:ea typeface="新細明體" panose="02020500000000000000" pitchFamily="18" charset="-120"/>
                         </a:rPr>
-                        <a:t>39.625573513 </a:t>
+                        <a:t>54.252700614 </a:t>
                       </a:r>
-                      <a:endParaRPr lang="en-US" altLang="zh-HK" sz="1200" b="0" i="0" u="none" strike="noStrike" dirty="0">
-                        <a:solidFill>
-                          <a:srgbClr val="000000"/>
-                        </a:solidFill>
-                        <a:effectLst/>
-                        <a:latin typeface="Times New Roman" panose="02020603050405020304" pitchFamily="18" charset="0"/>
-                        <a:ea typeface="新細明體" panose="02020500000000000000" pitchFamily="18" charset="-120"/>
-                      </a:endParaRPr>
                     </a:p>
                   </a:txBody>
                   <a:tcPr marL="4763" marR="4763" marT="4763" marB="0" anchor="ctr"/>
@@ -8201,19 +8162,16 @@
                     <a:p>
                       <a:pPr algn="r" fontAlgn="ctr"/>
                       <a:r>
-                        <a:rPr lang="en-US" altLang="zh-HK" sz="1200" u="none" strike="noStrike">
+                        <a:rPr lang="en-US" altLang="zh-HK" sz="1200" b="0" i="0" u="none" strike="noStrike">
+                          <a:solidFill>
+                            <a:srgbClr val="000000"/>
+                          </a:solidFill>
                           <a:effectLst/>
+                          <a:latin typeface="Times New Roman" panose="02020603050405020304" pitchFamily="18" charset="0"/>
+                          <a:ea typeface="新細明體" panose="02020500000000000000" pitchFamily="18" charset="-120"/>
                         </a:rPr>
-                        <a:t>1355568000000.00 </a:t>
+                        <a:t>1807424000000.00 </a:t>
                       </a:r>
-                      <a:endParaRPr lang="en-US" altLang="zh-HK" sz="1200" b="0" i="0" u="none" strike="noStrike">
-                        <a:solidFill>
-                          <a:srgbClr val="000000"/>
-                        </a:solidFill>
-                        <a:effectLst/>
-                        <a:latin typeface="Times New Roman" panose="02020603050405020304" pitchFamily="18" charset="0"/>
-                        <a:ea typeface="新細明體" panose="02020500000000000000" pitchFamily="18" charset="-120"/>
-                      </a:endParaRPr>
                     </a:p>
                   </a:txBody>
                   <a:tcPr marL="4763" marR="4763" marT="4763" marB="0" anchor="ctr"/>
@@ -8225,19 +8183,16 @@
                     <a:p>
                       <a:pPr algn="r" fontAlgn="ctr"/>
                       <a:r>
-                        <a:rPr lang="en-US" altLang="zh-HK" sz="1200" u="none" strike="noStrike">
+                        <a:rPr lang="en-US" altLang="zh-HK" sz="1200" b="0" i="0" u="none" strike="noStrike">
+                          <a:solidFill>
+                            <a:srgbClr val="000000"/>
+                          </a:solidFill>
                           <a:effectLst/>
+                          <a:latin typeface="Times New Roman" panose="02020603050405020304" pitchFamily="18" charset="0"/>
+                          <a:ea typeface="新細明體" panose="02020500000000000000" pitchFamily="18" charset="-120"/>
                         </a:rPr>
-                        <a:t>45.00000 </a:t>
+                        <a:t>60.00000 </a:t>
                       </a:r>
-                      <a:endParaRPr lang="en-US" altLang="zh-HK" sz="1200" b="0" i="0" u="none" strike="noStrike">
-                        <a:solidFill>
-                          <a:srgbClr val="000000"/>
-                        </a:solidFill>
-                        <a:effectLst/>
-                        <a:latin typeface="Times New Roman" panose="02020603050405020304" pitchFamily="18" charset="0"/>
-                        <a:ea typeface="新細明體" panose="02020500000000000000" pitchFamily="18" charset="-120"/>
-                      </a:endParaRPr>
                     </a:p>
                   </a:txBody>
                   <a:tcPr marL="4763" marR="4763" marT="4763" marB="0" anchor="ctr"/>
@@ -8249,19 +8204,16 @@
                     <a:p>
                       <a:pPr algn="r" fontAlgn="ctr"/>
                       <a:r>
-                        <a:rPr lang="en-US" altLang="zh-HK" sz="1200" u="none" strike="noStrike">
+                        <a:rPr lang="en-US" altLang="zh-HK" sz="1200" b="0" i="0" u="none" strike="noStrike">
+                          <a:solidFill>
+                            <a:srgbClr val="000000"/>
+                          </a:solidFill>
                           <a:effectLst/>
+                          <a:latin typeface="Times New Roman" panose="02020603050405020304" pitchFamily="18" charset="0"/>
+                          <a:ea typeface="新細明體" panose="02020500000000000000" pitchFamily="18" charset="-120"/>
                         </a:rPr>
-                        <a:t>41.641670284 </a:t>
+                        <a:t>60.313934488 </a:t>
                       </a:r>
-                      <a:endParaRPr lang="en-US" altLang="zh-HK" sz="1200" b="0" i="0" u="none" strike="noStrike">
-                        <a:solidFill>
-                          <a:srgbClr val="000000"/>
-                        </a:solidFill>
-                        <a:effectLst/>
-                        <a:latin typeface="Times New Roman" panose="02020603050405020304" pitchFamily="18" charset="0"/>
-                        <a:ea typeface="新細明體" panose="02020500000000000000" pitchFamily="18" charset="-120"/>
-                      </a:endParaRPr>
                     </a:p>
                   </a:txBody>
                   <a:tcPr marL="4763" marR="4763" marT="4763" marB="0" anchor="ctr"/>
@@ -8280,19 +8232,16 @@
                     <a:p>
                       <a:pPr algn="r" fontAlgn="ctr"/>
                       <a:r>
-                        <a:rPr lang="en-US" altLang="zh-HK" sz="1200" u="none" strike="noStrike">
+                        <a:rPr lang="en-US" altLang="zh-HK" sz="1200" b="0" i="0" u="none" strike="noStrike">
+                          <a:solidFill>
+                            <a:srgbClr val="000000"/>
+                          </a:solidFill>
                           <a:effectLst/>
+                          <a:latin typeface="Times New Roman" panose="02020603050405020304" pitchFamily="18" charset="0"/>
+                          <a:ea typeface="新細明體" panose="02020500000000000000" pitchFamily="18" charset="-120"/>
                         </a:rPr>
-                        <a:t>1506187000000.00 </a:t>
+                        <a:t>2108662000000.00 </a:t>
                       </a:r>
-                      <a:endParaRPr lang="en-US" altLang="zh-HK" sz="1200" b="0" i="0" u="none" strike="noStrike">
-                        <a:solidFill>
-                          <a:srgbClr val="000000"/>
-                        </a:solidFill>
-                        <a:effectLst/>
-                        <a:latin typeface="Times New Roman" panose="02020603050405020304" pitchFamily="18" charset="0"/>
-                        <a:ea typeface="新細明體" panose="02020500000000000000" pitchFamily="18" charset="-120"/>
-                      </a:endParaRPr>
                     </a:p>
                   </a:txBody>
                   <a:tcPr marL="4763" marR="4763" marT="4763" marB="0" anchor="ctr"/>
@@ -8304,19 +8253,16 @@
                     <a:p>
                       <a:pPr algn="r" fontAlgn="ctr"/>
                       <a:r>
-                        <a:rPr lang="en-US" altLang="zh-HK" sz="1200" u="none" strike="noStrike">
+                        <a:rPr lang="en-US" altLang="zh-HK" sz="1200" b="0" i="0" u="none" strike="noStrike">
+                          <a:solidFill>
+                            <a:srgbClr val="000000"/>
+                          </a:solidFill>
                           <a:effectLst/>
+                          <a:latin typeface="Times New Roman" panose="02020603050405020304" pitchFamily="18" charset="0"/>
+                          <a:ea typeface="新細明體" panose="02020500000000000000" pitchFamily="18" charset="-120"/>
                         </a:rPr>
-                        <a:t>50.00000 </a:t>
+                        <a:t>70.00000 </a:t>
                       </a:r>
-                      <a:endParaRPr lang="en-US" altLang="zh-HK" sz="1200" b="0" i="0" u="none" strike="noStrike">
-                        <a:solidFill>
-                          <a:srgbClr val="000000"/>
-                        </a:solidFill>
-                        <a:effectLst/>
-                        <a:latin typeface="Times New Roman" panose="02020603050405020304" pitchFamily="18" charset="0"/>
-                        <a:ea typeface="新細明體" panose="02020500000000000000" pitchFamily="18" charset="-120"/>
-                      </a:endParaRPr>
                     </a:p>
                   </a:txBody>
                   <a:tcPr marL="4763" marR="4763" marT="4763" marB="0" anchor="ctr"/>
@@ -8328,19 +8274,16 @@
                     <a:p>
                       <a:pPr algn="r" fontAlgn="ctr"/>
                       <a:r>
-                        <a:rPr lang="en-US" altLang="zh-HK" sz="1200" u="none" strike="noStrike">
+                        <a:rPr lang="en-US" altLang="zh-HK" sz="1200" b="0" i="0" u="none" strike="noStrike">
+                          <a:solidFill>
+                            <a:srgbClr val="000000"/>
+                          </a:solidFill>
                           <a:effectLst/>
+                          <a:latin typeface="Times New Roman" panose="02020603050405020304" pitchFamily="18" charset="0"/>
+                          <a:ea typeface="新細明體" panose="02020500000000000000" pitchFamily="18" charset="-120"/>
                         </a:rPr>
-                        <a:t>43.005439546 </a:t>
+                        <a:t>64.763225931 </a:t>
                       </a:r>
-                      <a:endParaRPr lang="en-US" altLang="zh-HK" sz="1200" b="0" i="0" u="none" strike="noStrike">
-                        <a:solidFill>
-                          <a:srgbClr val="000000"/>
-                        </a:solidFill>
-                        <a:effectLst/>
-                        <a:latin typeface="Times New Roman" panose="02020603050405020304" pitchFamily="18" charset="0"/>
-                        <a:ea typeface="新細明體" panose="02020500000000000000" pitchFamily="18" charset="-120"/>
-                      </a:endParaRPr>
                     </a:p>
                   </a:txBody>
                   <a:tcPr marL="4763" marR="4763" marT="4763" marB="0" anchor="ctr"/>
@@ -8359,19 +8302,16 @@
                     <a:p>
                       <a:pPr algn="r" fontAlgn="ctr"/>
                       <a:r>
-                        <a:rPr lang="en-US" altLang="zh-HK" sz="1200" u="none" strike="noStrike">
+                        <a:rPr lang="en-US" altLang="zh-HK" sz="1200" b="0" i="0" u="none" strike="noStrike">
+                          <a:solidFill>
+                            <a:srgbClr val="000000"/>
+                          </a:solidFill>
                           <a:effectLst/>
+                          <a:latin typeface="Times New Roman" panose="02020603050405020304" pitchFamily="18" charset="0"/>
+                          <a:ea typeface="新細明體" panose="02020500000000000000" pitchFamily="18" charset="-120"/>
                         </a:rPr>
-                        <a:t>1566434000000.00 </a:t>
+                        <a:t>2409899000000.00 </a:t>
                       </a:r>
-                      <a:endParaRPr lang="en-US" altLang="zh-HK" sz="1200" b="0" i="0" u="none" strike="noStrike">
-                        <a:solidFill>
-                          <a:srgbClr val="000000"/>
-                        </a:solidFill>
-                        <a:effectLst/>
-                        <a:latin typeface="Times New Roman" panose="02020603050405020304" pitchFamily="18" charset="0"/>
-                        <a:ea typeface="新細明體" panose="02020500000000000000" pitchFamily="18" charset="-120"/>
-                      </a:endParaRPr>
                     </a:p>
                   </a:txBody>
                   <a:tcPr marL="4763" marR="4763" marT="4763" marB="0" anchor="ctr"/>
@@ -8383,19 +8323,16 @@
                     <a:p>
                       <a:pPr algn="r" fontAlgn="ctr"/>
                       <a:r>
-                        <a:rPr lang="en-US" altLang="zh-HK" sz="1200" u="none" strike="noStrike">
+                        <a:rPr lang="en-US" altLang="zh-HK" sz="1200" b="0" i="0" u="none" strike="noStrike">
+                          <a:solidFill>
+                            <a:srgbClr val="000000"/>
+                          </a:solidFill>
                           <a:effectLst/>
+                          <a:latin typeface="Times New Roman" panose="02020603050405020304" pitchFamily="18" charset="0"/>
+                          <a:ea typeface="新細明體" panose="02020500000000000000" pitchFamily="18" charset="-120"/>
                         </a:rPr>
-                        <a:t>52.00000 </a:t>
+                        <a:t>80.00000 </a:t>
                       </a:r>
-                      <a:endParaRPr lang="en-US" altLang="zh-HK" sz="1200" b="0" i="0" u="none" strike="noStrike">
-                        <a:solidFill>
-                          <a:srgbClr val="000000"/>
-                        </a:solidFill>
-                        <a:effectLst/>
-                        <a:latin typeface="Times New Roman" panose="02020603050405020304" pitchFamily="18" charset="0"/>
-                        <a:ea typeface="新細明體" panose="02020500000000000000" pitchFamily="18" charset="-120"/>
-                      </a:endParaRPr>
                     </a:p>
                   </a:txBody>
                   <a:tcPr marL="4763" marR="4763" marT="4763" marB="0" anchor="ctr"/>
@@ -8407,19 +8344,16 @@
                     <a:p>
                       <a:pPr algn="r" fontAlgn="ctr"/>
                       <a:r>
-                        <a:rPr lang="en-US" altLang="zh-HK" sz="1200" u="none" strike="noStrike">
+                        <a:rPr lang="en-US" altLang="zh-HK" sz="1200" b="0" i="0" u="none" strike="noStrike">
+                          <a:solidFill>
+                            <a:srgbClr val="000000"/>
+                          </a:solidFill>
                           <a:effectLst/>
+                          <a:latin typeface="Times New Roman" panose="02020603050405020304" pitchFamily="18" charset="0"/>
+                          <a:ea typeface="新細明體" panose="02020500000000000000" pitchFamily="18" charset="-120"/>
                         </a:rPr>
-                        <a:t>43.368297475 </a:t>
+                        <a:t>67.593581862 </a:t>
                       </a:r>
-                      <a:endParaRPr lang="en-US" altLang="zh-HK" sz="1200" b="0" i="0" u="none" strike="noStrike">
-                        <a:solidFill>
-                          <a:srgbClr val="000000"/>
-                        </a:solidFill>
-                        <a:effectLst/>
-                        <a:latin typeface="Times New Roman" panose="02020603050405020304" pitchFamily="18" charset="0"/>
-                        <a:ea typeface="新細明體" panose="02020500000000000000" pitchFamily="18" charset="-120"/>
-                      </a:endParaRPr>
                     </a:p>
                   </a:txBody>
                   <a:tcPr marL="4763" marR="4763" marT="4763" marB="0" anchor="ctr"/>
@@ -8438,19 +8372,16 @@
                     <a:p>
                       <a:pPr algn="r" fontAlgn="ctr"/>
                       <a:r>
-                        <a:rPr lang="en-US" altLang="zh-HK" sz="1200" u="none" strike="noStrike">
+                        <a:rPr lang="en-US" altLang="zh-HK" sz="1200" b="0" i="0" u="none" strike="noStrike">
+                          <a:solidFill>
+                            <a:srgbClr val="000000"/>
+                          </a:solidFill>
                           <a:effectLst/>
+                          <a:latin typeface="Times New Roman" panose="02020603050405020304" pitchFamily="18" charset="0"/>
+                          <a:ea typeface="新細明體" panose="02020500000000000000" pitchFamily="18" charset="-120"/>
                         </a:rPr>
-                        <a:t>1626682000000.00 </a:t>
+                        <a:t>2681013000000.00 </a:t>
                       </a:r>
-                      <a:endParaRPr lang="en-US" altLang="zh-HK" sz="1200" b="0" i="0" u="none" strike="noStrike">
-                        <a:solidFill>
-                          <a:srgbClr val="000000"/>
-                        </a:solidFill>
-                        <a:effectLst/>
-                        <a:latin typeface="Times New Roman" panose="02020603050405020304" pitchFamily="18" charset="0"/>
-                        <a:ea typeface="新細明體" panose="02020500000000000000" pitchFamily="18" charset="-120"/>
-                      </a:endParaRPr>
                     </a:p>
                   </a:txBody>
                   <a:tcPr marL="4763" marR="4763" marT="4763" marB="0" anchor="ctr"/>
@@ -8462,19 +8393,16 @@
                     <a:p>
                       <a:pPr algn="r" fontAlgn="ctr"/>
                       <a:r>
-                        <a:rPr lang="en-US" altLang="zh-HK" sz="1200" u="none" strike="noStrike">
+                        <a:rPr lang="en-US" altLang="zh-HK" sz="1200" b="0" i="0" u="none" strike="noStrike">
+                          <a:solidFill>
+                            <a:srgbClr val="000000"/>
+                          </a:solidFill>
                           <a:effectLst/>
+                          <a:latin typeface="Times New Roman" panose="02020603050405020304" pitchFamily="18" charset="0"/>
+                          <a:ea typeface="新細明體" panose="02020500000000000000" pitchFamily="18" charset="-120"/>
                         </a:rPr>
-                        <a:t>54.00000 </a:t>
+                        <a:t>89.00000 </a:t>
                       </a:r>
-                      <a:endParaRPr lang="en-US" altLang="zh-HK" sz="1200" b="0" i="0" u="none" strike="noStrike">
-                        <a:solidFill>
-                          <a:srgbClr val="000000"/>
-                        </a:solidFill>
-                        <a:effectLst/>
-                        <a:latin typeface="Times New Roman" panose="02020603050405020304" pitchFamily="18" charset="0"/>
-                        <a:ea typeface="新細明體" panose="02020500000000000000" pitchFamily="18" charset="-120"/>
-                      </a:endParaRPr>
                     </a:p>
                   </a:txBody>
                   <a:tcPr marL="4763" marR="4763" marT="4763" marB="0" anchor="ctr"/>
@@ -8486,19 +8414,16 @@
                     <a:p>
                       <a:pPr algn="r" fontAlgn="ctr"/>
                       <a:r>
-                        <a:rPr lang="en-US" altLang="zh-HK" sz="1200" u="none" strike="noStrike">
+                        <a:rPr lang="en-US" altLang="zh-HK" sz="1200" b="0" i="0" u="none" strike="noStrike">
+                          <a:solidFill>
+                            <a:srgbClr val="000000"/>
+                          </a:solidFill>
                           <a:effectLst/>
+                          <a:latin typeface="Times New Roman" panose="02020603050405020304" pitchFamily="18" charset="0"/>
+                          <a:ea typeface="新細明體" panose="02020500000000000000" pitchFamily="18" charset="-120"/>
                         </a:rPr>
-                        <a:t>43.626790924 </a:t>
+                        <a:t>68.750844896 </a:t>
                       </a:r>
-                      <a:endParaRPr lang="en-US" altLang="zh-HK" sz="1200" b="0" i="0" u="none" strike="noStrike">
-                        <a:solidFill>
-                          <a:srgbClr val="000000"/>
-                        </a:solidFill>
-                        <a:effectLst/>
-                        <a:latin typeface="Times New Roman" panose="02020603050405020304" pitchFamily="18" charset="0"/>
-                        <a:ea typeface="新細明體" panose="02020500000000000000" pitchFamily="18" charset="-120"/>
-                      </a:endParaRPr>
                     </a:p>
                   </a:txBody>
                   <a:tcPr marL="4763" marR="4763" marT="4763" marB="0" anchor="ctr"/>
@@ -8517,19 +8442,16 @@
                     <a:p>
                       <a:pPr algn="r" fontAlgn="ctr"/>
                       <a:r>
-                        <a:rPr lang="en-US" altLang="zh-HK" sz="1200" u="none" strike="noStrike">
+                        <a:rPr lang="en-US" altLang="zh-HK" sz="1200" b="0" i="0" u="none" strike="noStrike">
+                          <a:solidFill>
+                            <a:srgbClr val="000000"/>
+                          </a:solidFill>
                           <a:effectLst/>
+                          <a:latin typeface="Times New Roman" panose="02020603050405020304" pitchFamily="18" charset="0"/>
+                          <a:ea typeface="新細明體" panose="02020500000000000000" pitchFamily="18" charset="-120"/>
                         </a:rPr>
-                        <a:t>1656806000000.00 </a:t>
+                        <a:t>2711137000000.00 </a:t>
                       </a:r>
-                      <a:endParaRPr lang="en-US" altLang="zh-HK" sz="1200" b="0" i="0" u="none" strike="noStrike">
-                        <a:solidFill>
-                          <a:srgbClr val="000000"/>
-                        </a:solidFill>
-                        <a:effectLst/>
-                        <a:latin typeface="Times New Roman" panose="02020603050405020304" pitchFamily="18" charset="0"/>
-                        <a:ea typeface="新細明體" panose="02020500000000000000" pitchFamily="18" charset="-120"/>
-                      </a:endParaRPr>
                     </a:p>
                   </a:txBody>
                   <a:tcPr marL="4763" marR="4763" marT="4763" marB="0" anchor="ctr"/>
@@ -8541,19 +8463,16 @@
                     <a:p>
                       <a:pPr algn="r" fontAlgn="ctr"/>
                       <a:r>
-                        <a:rPr lang="en-US" altLang="zh-HK" sz="1200" u="none" strike="noStrike">
+                        <a:rPr lang="en-US" altLang="zh-HK" sz="1200" b="0" i="0" u="none" strike="noStrike">
+                          <a:solidFill>
+                            <a:srgbClr val="000000"/>
+                          </a:solidFill>
                           <a:effectLst/>
+                          <a:latin typeface="Times New Roman" panose="02020603050405020304" pitchFamily="18" charset="0"/>
+                          <a:ea typeface="新細明體" panose="02020500000000000000" pitchFamily="18" charset="-120"/>
                         </a:rPr>
-                        <a:t>55.00000 </a:t>
+                        <a:t>90.00000 </a:t>
                       </a:r>
-                      <a:endParaRPr lang="en-US" altLang="zh-HK" sz="1200" b="0" i="0" u="none" strike="noStrike">
-                        <a:solidFill>
-                          <a:srgbClr val="000000"/>
-                        </a:solidFill>
-                        <a:effectLst/>
-                        <a:latin typeface="Times New Roman" panose="02020603050405020304" pitchFamily="18" charset="0"/>
-                        <a:ea typeface="新細明體" panose="02020500000000000000" pitchFamily="18" charset="-120"/>
-                      </a:endParaRPr>
                     </a:p>
                   </a:txBody>
                   <a:tcPr marL="4763" marR="4763" marT="4763" marB="0" anchor="ctr"/>
@@ -8565,19 +8484,16 @@
                     <a:p>
                       <a:pPr algn="r" fontAlgn="ctr"/>
                       <a:r>
-                        <a:rPr lang="en-US" altLang="zh-HK" sz="1200" u="none" strike="noStrike" dirty="0">
+                        <a:rPr lang="en-US" altLang="zh-HK" sz="1200" b="0" i="0" u="none" strike="noStrike">
+                          <a:solidFill>
+                            <a:srgbClr val="000000"/>
+                          </a:solidFill>
                           <a:effectLst/>
+                          <a:latin typeface="Times New Roman" panose="02020603050405020304" pitchFamily="18" charset="0"/>
+                          <a:ea typeface="新細明體" panose="02020500000000000000" pitchFamily="18" charset="-120"/>
                         </a:rPr>
-                        <a:t>43.716898117 </a:t>
+                        <a:t>68.797898339 </a:t>
                       </a:r>
-                      <a:endParaRPr lang="en-US" altLang="zh-HK" sz="1200" b="0" i="0" u="none" strike="noStrike" dirty="0">
-                        <a:solidFill>
-                          <a:srgbClr val="000000"/>
-                        </a:solidFill>
-                        <a:effectLst/>
-                        <a:latin typeface="Times New Roman" panose="02020603050405020304" pitchFamily="18" charset="0"/>
-                        <a:ea typeface="新細明體" panose="02020500000000000000" pitchFamily="18" charset="-120"/>
-                      </a:endParaRPr>
                     </a:p>
                   </a:txBody>
                   <a:tcPr marL="4763" marR="4763" marT="4763" marB="0" anchor="ctr"/>
@@ -8596,19 +8512,16 @@
                     <a:p>
                       <a:pPr algn="r" fontAlgn="ctr"/>
                       <a:r>
-                        <a:rPr lang="en-US" altLang="zh-HK" sz="1200" u="none" strike="noStrike">
+                        <a:rPr lang="en-US" altLang="zh-HK" sz="1200" b="0" i="0" u="none" strike="noStrike">
+                          <a:solidFill>
+                            <a:srgbClr val="000000"/>
+                          </a:solidFill>
                           <a:effectLst/>
+                          <a:latin typeface="Times New Roman" panose="02020603050405020304" pitchFamily="18" charset="0"/>
+                          <a:ea typeface="新細明體" panose="02020500000000000000" pitchFamily="18" charset="-120"/>
                         </a:rPr>
-                        <a:t>1686929000000.00 </a:t>
+                        <a:t>2741261000000.00 </a:t>
                       </a:r>
-                      <a:endParaRPr lang="en-US" altLang="zh-HK" sz="1200" b="0" i="0" u="none" strike="noStrike">
-                        <a:solidFill>
-                          <a:srgbClr val="000000"/>
-                        </a:solidFill>
-                        <a:effectLst/>
-                        <a:latin typeface="Times New Roman" panose="02020603050405020304" pitchFamily="18" charset="0"/>
-                        <a:ea typeface="新細明體" panose="02020500000000000000" pitchFamily="18" charset="-120"/>
-                      </a:endParaRPr>
                     </a:p>
                   </a:txBody>
                   <a:tcPr marL="4763" marR="4763" marT="4763" marB="0" anchor="ctr"/>
@@ -8620,19 +8533,16 @@
                     <a:p>
                       <a:pPr algn="r" fontAlgn="ctr"/>
                       <a:r>
-                        <a:rPr lang="en-US" altLang="zh-HK" sz="1200" u="none" strike="noStrike" dirty="0">
+                        <a:rPr lang="en-US" altLang="zh-HK" sz="1200" b="0" i="0" u="none" strike="noStrike">
+                          <a:solidFill>
+                            <a:srgbClr val="000000"/>
+                          </a:solidFill>
                           <a:effectLst/>
+                          <a:latin typeface="Times New Roman" panose="02020603050405020304" pitchFamily="18" charset="0"/>
+                          <a:ea typeface="新細明體" panose="02020500000000000000" pitchFamily="18" charset="-120"/>
                         </a:rPr>
-                        <a:t>56.00000 </a:t>
+                        <a:t>91.00000 </a:t>
                       </a:r>
-                      <a:endParaRPr lang="en-US" altLang="zh-HK" sz="1200" b="0" i="0" u="none" strike="noStrike" dirty="0">
-                        <a:solidFill>
-                          <a:srgbClr val="000000"/>
-                        </a:solidFill>
-                        <a:effectLst/>
-                        <a:latin typeface="Times New Roman" panose="02020603050405020304" pitchFamily="18" charset="0"/>
-                        <a:ea typeface="新細明體" panose="02020500000000000000" pitchFamily="18" charset="-120"/>
-                      </a:endParaRPr>
                     </a:p>
                   </a:txBody>
                   <a:tcPr marL="4763" marR="4763" marT="4763" marB="0" anchor="ctr"/>
@@ -8644,19 +8554,16 @@
                     <a:p>
                       <a:pPr algn="r" fontAlgn="ctr"/>
                       <a:r>
-                        <a:rPr lang="en-US" altLang="zh-HK" sz="1200" u="none" strike="noStrike">
+                        <a:rPr lang="en-US" altLang="zh-HK" sz="1200" b="0" i="0" u="none" strike="noStrike">
+                          <a:solidFill>
+                            <a:srgbClr val="000000"/>
+                          </a:solidFill>
                           <a:effectLst/>
+                          <a:latin typeface="Times New Roman" panose="02020603050405020304" pitchFamily="18" charset="0"/>
+                          <a:ea typeface="新細明體" panose="02020500000000000000" pitchFamily="18" charset="-120"/>
                         </a:rPr>
-                        <a:t>43.780910347 </a:t>
+                        <a:t>68.828618240 </a:t>
                       </a:r>
-                      <a:endParaRPr lang="en-US" altLang="zh-HK" sz="1200" b="0" i="0" u="none" strike="noStrike">
-                        <a:solidFill>
-                          <a:srgbClr val="000000"/>
-                        </a:solidFill>
-                        <a:effectLst/>
-                        <a:latin typeface="Times New Roman" panose="02020603050405020304" pitchFamily="18" charset="0"/>
-                        <a:ea typeface="新細明體" panose="02020500000000000000" pitchFamily="18" charset="-120"/>
-                      </a:endParaRPr>
                     </a:p>
                   </a:txBody>
                   <a:tcPr marL="4763" marR="4763" marT="4763" marB="0" anchor="ctr"/>
@@ -8675,19 +8582,16 @@
                     <a:p>
                       <a:pPr algn="r" fontAlgn="ctr"/>
                       <a:r>
-                        <a:rPr lang="en-US" altLang="zh-HK" sz="1200" u="none" strike="noStrike">
+                        <a:rPr lang="en-US" altLang="zh-HK" sz="1200" b="0" i="0" u="none" strike="noStrike">
+                          <a:solidFill>
+                            <a:srgbClr val="000000"/>
+                          </a:solidFill>
                           <a:effectLst/>
+                          <a:latin typeface="Times New Roman" panose="02020603050405020304" pitchFamily="18" charset="0"/>
+                          <a:ea typeface="新細明體" panose="02020500000000000000" pitchFamily="18" charset="-120"/>
                         </a:rPr>
-                        <a:t>1717053000000.00 </a:t>
+                        <a:t>2771384000000.00 </a:t>
                       </a:r>
-                      <a:endParaRPr lang="en-US" altLang="zh-HK" sz="1200" b="0" i="0" u="none" strike="noStrike">
-                        <a:solidFill>
-                          <a:srgbClr val="000000"/>
-                        </a:solidFill>
-                        <a:effectLst/>
-                        <a:latin typeface="Times New Roman" panose="02020603050405020304" pitchFamily="18" charset="0"/>
-                        <a:ea typeface="新細明體" panose="02020500000000000000" pitchFamily="18" charset="-120"/>
-                      </a:endParaRPr>
                     </a:p>
                   </a:txBody>
                   <a:tcPr marL="4763" marR="4763" marT="4763" marB="0" anchor="ctr"/>
@@ -8699,19 +8603,16 @@
                     <a:p>
                       <a:pPr algn="r" fontAlgn="ctr"/>
                       <a:r>
-                        <a:rPr lang="en-US" altLang="zh-HK" sz="1200" u="none" strike="noStrike" dirty="0">
+                        <a:rPr lang="en-US" altLang="zh-HK" sz="1200" b="0" i="0" u="none" strike="noStrike">
+                          <a:solidFill>
+                            <a:srgbClr val="000000"/>
+                          </a:solidFill>
                           <a:effectLst/>
+                          <a:latin typeface="Times New Roman" panose="02020603050405020304" pitchFamily="18" charset="0"/>
+                          <a:ea typeface="新細明體" panose="02020500000000000000" pitchFamily="18" charset="-120"/>
                         </a:rPr>
-                        <a:t>57.00000 </a:t>
+                        <a:t>92.00000 </a:t>
                       </a:r>
-                      <a:endParaRPr lang="en-US" altLang="zh-HK" sz="1200" b="0" i="0" u="none" strike="noStrike" dirty="0">
-                        <a:solidFill>
-                          <a:srgbClr val="000000"/>
-                        </a:solidFill>
-                        <a:effectLst/>
-                        <a:latin typeface="Times New Roman" panose="02020603050405020304" pitchFamily="18" charset="0"/>
-                        <a:ea typeface="新細明體" panose="02020500000000000000" pitchFamily="18" charset="-120"/>
-                      </a:endParaRPr>
                     </a:p>
                   </a:txBody>
                   <a:tcPr marL="4763" marR="4763" marT="4763" marB="0" anchor="ctr"/>
@@ -8723,19 +8624,16 @@
                     <a:p>
                       <a:pPr algn="r" fontAlgn="ctr"/>
                       <a:r>
-                        <a:rPr lang="en-US" altLang="zh-HK" sz="1200" u="none" strike="noStrike">
+                        <a:rPr lang="en-US" altLang="zh-HK" sz="1200" b="0" i="0" u="none" strike="noStrike">
+                          <a:solidFill>
+                            <a:srgbClr val="000000"/>
+                          </a:solidFill>
                           <a:effectLst/>
+                          <a:latin typeface="Times New Roman" panose="02020603050405020304" pitchFamily="18" charset="0"/>
+                          <a:ea typeface="新細明體" panose="02020500000000000000" pitchFamily="18" charset="-120"/>
                         </a:rPr>
-                        <a:t>43.818831488 </a:t>
+                        <a:t>68.842997229 </a:t>
                       </a:r>
-                      <a:endParaRPr lang="en-US" altLang="zh-HK" sz="1200" b="0" i="0" u="none" strike="noStrike">
-                        <a:solidFill>
-                          <a:srgbClr val="000000"/>
-                        </a:solidFill>
-                        <a:effectLst/>
-                        <a:latin typeface="Times New Roman" panose="02020603050405020304" pitchFamily="18" charset="0"/>
-                        <a:ea typeface="新細明體" panose="02020500000000000000" pitchFamily="18" charset="-120"/>
-                      </a:endParaRPr>
                     </a:p>
                   </a:txBody>
                   <a:tcPr marL="4763" marR="4763" marT="4763" marB="0" anchor="ctr"/>
@@ -8754,19 +8652,19 @@
                     <a:p>
                       <a:pPr algn="r" fontAlgn="ctr"/>
                       <a:r>
-                        <a:rPr lang="en-US" altLang="zh-HK" sz="1200" u="none" strike="noStrike" dirty="0">
+                        <a:rPr lang="en-US" altLang="zh-HK" sz="1200" b="0" i="0" u="none" strike="noStrike" dirty="0">
+                          <a:solidFill>
+                            <a:srgbClr val="000000"/>
+                          </a:solidFill>
                           <a:effectLst/>
+                          <a:highlight>
+                            <a:srgbClr val="FFFF00"/>
+                          </a:highlight>
+                          <a:latin typeface="Times New Roman" panose="02020603050405020304" pitchFamily="18" charset="0"/>
+                          <a:ea typeface="新細明體" panose="02020500000000000000" pitchFamily="18" charset="-120"/>
                         </a:rPr>
-                        <a:t>1732115000000.00 </a:t>
+                        <a:t>2786446000000.00 </a:t>
                       </a:r>
-                      <a:endParaRPr lang="en-US" altLang="zh-HK" sz="1200" b="0" i="0" u="none" strike="noStrike" dirty="0">
-                        <a:solidFill>
-                          <a:srgbClr val="000000"/>
-                        </a:solidFill>
-                        <a:effectLst/>
-                        <a:latin typeface="Times New Roman" panose="02020603050405020304" pitchFamily="18" charset="0"/>
-                        <a:ea typeface="新細明體" panose="02020500000000000000" pitchFamily="18" charset="-120"/>
-                      </a:endParaRPr>
                     </a:p>
                   </a:txBody>
                   <a:tcPr marL="4763" marR="4763" marT="4763" marB="0" anchor="ctr"/>
@@ -8778,19 +8676,19 @@
                     <a:p>
                       <a:pPr algn="r" fontAlgn="ctr"/>
                       <a:r>
-                        <a:rPr lang="en-US" altLang="zh-HK" sz="1200" u="none" strike="noStrike">
+                        <a:rPr lang="en-US" altLang="zh-HK" sz="1200" b="0" i="0" u="none" strike="noStrike">
+                          <a:solidFill>
+                            <a:srgbClr val="000000"/>
+                          </a:solidFill>
                           <a:effectLst/>
+                          <a:highlight>
+                            <a:srgbClr val="FFFF00"/>
+                          </a:highlight>
+                          <a:latin typeface="Times New Roman" panose="02020603050405020304" pitchFamily="18" charset="0"/>
+                          <a:ea typeface="新細明體" panose="02020500000000000000" pitchFamily="18" charset="-120"/>
                         </a:rPr>
-                        <a:t>57.50000 </a:t>
+                        <a:t>92.50000 </a:t>
                       </a:r>
-                      <a:endParaRPr lang="en-US" altLang="zh-HK" sz="1200" b="0" i="0" u="none" strike="noStrike">
-                        <a:solidFill>
-                          <a:srgbClr val="000000"/>
-                        </a:solidFill>
-                        <a:effectLst/>
-                        <a:latin typeface="Times New Roman" panose="02020603050405020304" pitchFamily="18" charset="0"/>
-                        <a:ea typeface="新細明體" panose="02020500000000000000" pitchFamily="18" charset="-120"/>
-                      </a:endParaRPr>
                     </a:p>
                   </a:txBody>
                   <a:tcPr marL="4763" marR="4763" marT="4763" marB="0" anchor="ctr"/>
@@ -8802,19 +8700,19 @@
                     <a:p>
                       <a:pPr algn="r" fontAlgn="ctr"/>
                       <a:r>
-                        <a:rPr lang="en-US" altLang="zh-HK" sz="1200" u="none" strike="noStrike">
+                        <a:rPr lang="en-US" altLang="zh-HK" sz="1200" b="0" i="0" u="none" strike="noStrike" dirty="0">
+                          <a:solidFill>
+                            <a:srgbClr val="000000"/>
+                          </a:solidFill>
                           <a:effectLst/>
+                          <a:highlight>
+                            <a:srgbClr val="FFFF00"/>
+                          </a:highlight>
+                          <a:latin typeface="Times New Roman" panose="02020603050405020304" pitchFamily="18" charset="0"/>
+                          <a:ea typeface="新細明體" panose="02020500000000000000" pitchFamily="18" charset="-120"/>
                         </a:rPr>
-                        <a:t>43.828006724 </a:t>
+                        <a:t>68.844057041 </a:t>
                       </a:r>
-                      <a:endParaRPr lang="en-US" altLang="zh-HK" sz="1200" b="0" i="0" u="none" strike="noStrike">
-                        <a:solidFill>
-                          <a:srgbClr val="000000"/>
-                        </a:solidFill>
-                        <a:effectLst/>
-                        <a:latin typeface="Times New Roman" panose="02020603050405020304" pitchFamily="18" charset="0"/>
-                        <a:ea typeface="新細明體" panose="02020500000000000000" pitchFamily="18" charset="-120"/>
-                      </a:endParaRPr>
                     </a:p>
                   </a:txBody>
                   <a:tcPr marL="4763" marR="4763" marT="4763" marB="0" anchor="ctr"/>
@@ -8833,25 +8731,16 @@
                     <a:p>
                       <a:pPr algn="r" fontAlgn="ctr"/>
                       <a:r>
-                        <a:rPr lang="en-US" altLang="zh-HK" sz="1200" u="none" strike="noStrike" dirty="0">
+                        <a:rPr lang="en-US" altLang="zh-HK" sz="1200" b="0" i="0" u="none" strike="noStrike">
+                          <a:solidFill>
+                            <a:srgbClr val="000000"/>
+                          </a:solidFill>
                           <a:effectLst/>
-                          <a:highlight>
-                            <a:srgbClr val="FFFF00"/>
-                          </a:highlight>
+                          <a:latin typeface="Times New Roman" panose="02020603050405020304" pitchFamily="18" charset="0"/>
+                          <a:ea typeface="新細明體" panose="02020500000000000000" pitchFamily="18" charset="-120"/>
                         </a:rPr>
-                        <a:t>1747177000000.00 </a:t>
+                        <a:t>2795483000000.00 </a:t>
                       </a:r>
-                      <a:endParaRPr lang="en-US" altLang="zh-HK" sz="1200" b="0" i="0" u="none" strike="noStrike" dirty="0">
-                        <a:solidFill>
-                          <a:srgbClr val="000000"/>
-                        </a:solidFill>
-                        <a:effectLst/>
-                        <a:highlight>
-                          <a:srgbClr val="FFFF00"/>
-                        </a:highlight>
-                        <a:latin typeface="Times New Roman" panose="02020603050405020304" pitchFamily="18" charset="0"/>
-                        <a:ea typeface="新細明體" panose="02020500000000000000" pitchFamily="18" charset="-120"/>
-                      </a:endParaRPr>
                     </a:p>
                   </a:txBody>
                   <a:tcPr marL="4763" marR="4763" marT="4763" marB="0" anchor="ctr"/>
@@ -8863,25 +8752,16 @@
                     <a:p>
                       <a:pPr algn="r" fontAlgn="ctr"/>
                       <a:r>
-                        <a:rPr lang="en-US" altLang="zh-HK" sz="1200" u="none" strike="noStrike">
+                        <a:rPr lang="en-US" altLang="zh-HK" sz="1200" b="0" i="0" u="none" strike="noStrike">
+                          <a:solidFill>
+                            <a:srgbClr val="000000"/>
+                          </a:solidFill>
                           <a:effectLst/>
-                          <a:highlight>
-                            <a:srgbClr val="FFFF00"/>
-                          </a:highlight>
+                          <a:latin typeface="Times New Roman" panose="02020603050405020304" pitchFamily="18" charset="0"/>
+                          <a:ea typeface="新細明體" panose="02020500000000000000" pitchFamily="18" charset="-120"/>
                         </a:rPr>
-                        <a:t>58.00000 </a:t>
+                        <a:t>92.80000 </a:t>
                       </a:r>
-                      <a:endParaRPr lang="en-US" altLang="zh-HK" sz="1200" b="0" i="0" u="none" strike="noStrike">
-                        <a:solidFill>
-                          <a:srgbClr val="000000"/>
-                        </a:solidFill>
-                        <a:effectLst/>
-                        <a:highlight>
-                          <a:srgbClr val="FFFF00"/>
-                        </a:highlight>
-                        <a:latin typeface="Times New Roman" panose="02020603050405020304" pitchFamily="18" charset="0"/>
-                        <a:ea typeface="新細明體" panose="02020500000000000000" pitchFamily="18" charset="-120"/>
-                      </a:endParaRPr>
                     </a:p>
                   </a:txBody>
                   <a:tcPr marL="4763" marR="4763" marT="4763" marB="0" anchor="ctr"/>
@@ -8893,25 +8773,16 @@
                     <a:p>
                       <a:pPr algn="r" fontAlgn="ctr"/>
                       <a:r>
-                        <a:rPr lang="en-US" altLang="zh-HK" sz="1200" u="none" strike="noStrike" dirty="0">
+                        <a:rPr lang="en-US" altLang="zh-HK" sz="1200" b="0" i="0" u="none" strike="noStrike">
+                          <a:solidFill>
+                            <a:srgbClr val="000000"/>
+                          </a:solidFill>
                           <a:effectLst/>
-                          <a:highlight>
-                            <a:srgbClr val="FFFF00"/>
-                          </a:highlight>
+                          <a:latin typeface="Times New Roman" panose="02020603050405020304" pitchFamily="18" charset="0"/>
+                          <a:ea typeface="新細明體" panose="02020500000000000000" pitchFamily="18" charset="-120"/>
                         </a:rPr>
-                        <a:t>43.830658523 </a:t>
+                        <a:t>68.842730725 </a:t>
                       </a:r>
-                      <a:endParaRPr lang="en-US" altLang="zh-HK" sz="1200" b="0" i="0" u="none" strike="noStrike" dirty="0">
-                        <a:solidFill>
-                          <a:srgbClr val="000000"/>
-                        </a:solidFill>
-                        <a:effectLst/>
-                        <a:highlight>
-                          <a:srgbClr val="FFFF00"/>
-                        </a:highlight>
-                        <a:latin typeface="Times New Roman" panose="02020603050405020304" pitchFamily="18" charset="0"/>
-                        <a:ea typeface="新細明體" panose="02020500000000000000" pitchFamily="18" charset="-120"/>
-                      </a:endParaRPr>
                     </a:p>
                   </a:txBody>
                   <a:tcPr marL="4763" marR="4763" marT="4763" marB="0" anchor="ctr"/>
@@ -8930,19 +8801,16 @@
                     <a:p>
                       <a:pPr algn="r" fontAlgn="ctr"/>
                       <a:r>
-                        <a:rPr lang="en-US" altLang="zh-HK" sz="1200" u="none" strike="noStrike">
+                        <a:rPr lang="en-US" altLang="zh-HK" sz="1200" b="0" i="0" u="none" strike="noStrike">
+                          <a:solidFill>
+                            <a:srgbClr val="000000"/>
+                          </a:solidFill>
                           <a:effectLst/>
+                          <a:latin typeface="Times New Roman" panose="02020603050405020304" pitchFamily="18" charset="0"/>
+                          <a:ea typeface="新細明體" panose="02020500000000000000" pitchFamily="18" charset="-120"/>
                         </a:rPr>
-                        <a:t>1748081000000.00 </a:t>
+                        <a:t>2801508000000.00 </a:t>
                       </a:r>
-                      <a:endParaRPr lang="en-US" altLang="zh-HK" sz="1200" b="0" i="0" u="none" strike="noStrike">
-                        <a:solidFill>
-                          <a:srgbClr val="000000"/>
-                        </a:solidFill>
-                        <a:effectLst/>
-                        <a:latin typeface="Times New Roman" panose="02020603050405020304" pitchFamily="18" charset="0"/>
-                        <a:ea typeface="新細明體" panose="02020500000000000000" pitchFamily="18" charset="-120"/>
-                      </a:endParaRPr>
                     </a:p>
                   </a:txBody>
                   <a:tcPr marL="4763" marR="4763" marT="4763" marB="0" anchor="ctr"/>
@@ -8954,19 +8822,16 @@
                     <a:p>
                       <a:pPr algn="r" fontAlgn="ctr"/>
                       <a:r>
-                        <a:rPr lang="en-US" altLang="zh-HK" sz="1200" u="none" strike="noStrike">
+                        <a:rPr lang="en-US" altLang="zh-HK" sz="1200" b="0" i="0" u="none" strike="noStrike">
+                          <a:solidFill>
+                            <a:srgbClr val="000000"/>
+                          </a:solidFill>
                           <a:effectLst/>
+                          <a:latin typeface="Times New Roman" panose="02020603050405020304" pitchFamily="18" charset="0"/>
+                          <a:ea typeface="新細明體" panose="02020500000000000000" pitchFamily="18" charset="-120"/>
                         </a:rPr>
-                        <a:t>58.03000 </a:t>
+                        <a:t>93.00000 </a:t>
                       </a:r>
-                      <a:endParaRPr lang="en-US" altLang="zh-HK" sz="1200" b="0" i="0" u="none" strike="noStrike">
-                        <a:solidFill>
-                          <a:srgbClr val="000000"/>
-                        </a:solidFill>
-                        <a:effectLst/>
-                        <a:latin typeface="Times New Roman" panose="02020603050405020304" pitchFamily="18" charset="0"/>
-                        <a:ea typeface="新細明體" panose="02020500000000000000" pitchFamily="18" charset="-120"/>
-                      </a:endParaRPr>
                     </a:p>
                   </a:txBody>
                   <a:tcPr marL="4763" marR="4763" marT="4763" marB="0" anchor="ctr"/>
@@ -8978,19 +8843,16 @@
                     <a:p>
                       <a:pPr algn="r" fontAlgn="ctr"/>
                       <a:r>
-                        <a:rPr lang="en-US" altLang="zh-HK" sz="1200" u="none" strike="noStrike">
+                        <a:rPr lang="en-US" altLang="zh-HK" sz="1200" b="0" i="0" u="none" strike="noStrike">
+                          <a:solidFill>
+                            <a:srgbClr val="000000"/>
+                          </a:solidFill>
                           <a:effectLst/>
+                          <a:latin typeface="Times New Roman" panose="02020603050405020304" pitchFamily="18" charset="0"/>
+                          <a:ea typeface="新細明體" panose="02020500000000000000" pitchFamily="18" charset="-120"/>
                         </a:rPr>
-                        <a:t>43.830610109 </a:t>
+                        <a:t>68.841028744 </a:t>
                       </a:r>
-                      <a:endParaRPr lang="en-US" altLang="zh-HK" sz="1200" b="0" i="0" u="none" strike="noStrike">
-                        <a:solidFill>
-                          <a:srgbClr val="000000"/>
-                        </a:solidFill>
-                        <a:effectLst/>
-                        <a:latin typeface="Times New Roman" panose="02020603050405020304" pitchFamily="18" charset="0"/>
-                        <a:ea typeface="新細明體" panose="02020500000000000000" pitchFamily="18" charset="-120"/>
-                      </a:endParaRPr>
                     </a:p>
                   </a:txBody>
                   <a:tcPr marL="4763" marR="4763" marT="4763" marB="0" anchor="ctr"/>
@@ -9009,19 +8871,16 @@
                     <a:p>
                       <a:pPr algn="r" fontAlgn="ctr"/>
                       <a:r>
-                        <a:rPr lang="en-US" altLang="zh-HK" sz="1200" u="none" strike="noStrike">
+                        <a:rPr lang="en-US" altLang="zh-HK" sz="1200" b="0" i="0" u="none" strike="noStrike">
+                          <a:solidFill>
+                            <a:srgbClr val="000000"/>
+                          </a:solidFill>
                           <a:effectLst/>
+                          <a:latin typeface="Times New Roman" panose="02020603050405020304" pitchFamily="18" charset="0"/>
+                          <a:ea typeface="新細明體" panose="02020500000000000000" pitchFamily="18" charset="-120"/>
                         </a:rPr>
-                        <a:t>1751997000000.00 </a:t>
+                        <a:t>2831632000000.00 </a:t>
                       </a:r>
-                      <a:endParaRPr lang="en-US" altLang="zh-HK" sz="1200" b="0" i="0" u="none" strike="noStrike">
-                        <a:solidFill>
-                          <a:srgbClr val="000000"/>
-                        </a:solidFill>
-                        <a:effectLst/>
-                        <a:latin typeface="Times New Roman" panose="02020603050405020304" pitchFamily="18" charset="0"/>
-                        <a:ea typeface="新細明體" panose="02020500000000000000" pitchFamily="18" charset="-120"/>
-                      </a:endParaRPr>
                     </a:p>
                   </a:txBody>
                   <a:tcPr marL="4763" marR="4763" marT="4763" marB="0" anchor="ctr"/>
@@ -9033,19 +8892,16 @@
                     <a:p>
                       <a:pPr algn="r" fontAlgn="ctr"/>
                       <a:r>
-                        <a:rPr lang="en-US" altLang="zh-HK" sz="1200" u="none" strike="noStrike">
+                        <a:rPr lang="en-US" altLang="zh-HK" sz="1200" b="0" i="0" u="none" strike="noStrike">
+                          <a:solidFill>
+                            <a:srgbClr val="000000"/>
+                          </a:solidFill>
                           <a:effectLst/>
+                          <a:latin typeface="Times New Roman" panose="02020603050405020304" pitchFamily="18" charset="0"/>
+                          <a:ea typeface="新細明體" panose="02020500000000000000" pitchFamily="18" charset="-120"/>
                         </a:rPr>
-                        <a:t>58.16000 </a:t>
+                        <a:t>94.00000 </a:t>
                       </a:r>
-                      <a:endParaRPr lang="en-US" altLang="zh-HK" sz="1200" b="0" i="0" u="none" strike="noStrike">
-                        <a:solidFill>
-                          <a:srgbClr val="000000"/>
-                        </a:solidFill>
-                        <a:effectLst/>
-                        <a:latin typeface="Times New Roman" panose="02020603050405020304" pitchFamily="18" charset="0"/>
-                        <a:ea typeface="新細明體" panose="02020500000000000000" pitchFamily="18" charset="-120"/>
-                      </a:endParaRPr>
                     </a:p>
                   </a:txBody>
                   <a:tcPr marL="4763" marR="4763" marT="4763" marB="0" anchor="ctr"/>
@@ -9057,19 +8913,16 @@
                     <a:p>
                       <a:pPr algn="r" fontAlgn="ctr"/>
                       <a:r>
-                        <a:rPr lang="en-US" altLang="zh-HK" sz="1200" u="none" strike="noStrike">
+                        <a:rPr lang="en-US" altLang="zh-HK" sz="1200" b="0" i="0" u="none" strike="noStrike">
+                          <a:solidFill>
+                            <a:srgbClr val="000000"/>
+                          </a:solidFill>
                           <a:effectLst/>
+                          <a:latin typeface="Times New Roman" panose="02020603050405020304" pitchFamily="18" charset="0"/>
+                          <a:ea typeface="新細明體" panose="02020500000000000000" pitchFamily="18" charset="-120"/>
                         </a:rPr>
-                        <a:t>43.830129275 </a:t>
+                        <a:t>68.822704670 </a:t>
                       </a:r>
-                      <a:endParaRPr lang="en-US" altLang="zh-HK" sz="1200" b="0" i="0" u="none" strike="noStrike">
-                        <a:solidFill>
-                          <a:srgbClr val="000000"/>
-                        </a:solidFill>
-                        <a:effectLst/>
-                        <a:latin typeface="Times New Roman" panose="02020603050405020304" pitchFamily="18" charset="0"/>
-                        <a:ea typeface="新細明體" panose="02020500000000000000" pitchFamily="18" charset="-120"/>
-                      </a:endParaRPr>
                     </a:p>
                   </a:txBody>
                   <a:tcPr marL="4763" marR="4763" marT="4763" marB="0" anchor="ctr"/>
@@ -9088,19 +8941,16 @@
                     <a:p>
                       <a:pPr algn="r" fontAlgn="ctr"/>
                       <a:r>
-                        <a:rPr lang="en-US" altLang="zh-HK" sz="1200" u="none" strike="noStrike">
+                        <a:rPr lang="en-US" altLang="zh-HK" sz="1200" b="0" i="0" u="none" strike="noStrike">
+                          <a:solidFill>
+                            <a:srgbClr val="000000"/>
+                          </a:solidFill>
                           <a:effectLst/>
+                          <a:latin typeface="Times New Roman" panose="02020603050405020304" pitchFamily="18" charset="0"/>
+                          <a:ea typeface="新細明體" panose="02020500000000000000" pitchFamily="18" charset="-120"/>
                         </a:rPr>
-                        <a:t>1762239000000.00 </a:t>
+                        <a:t>2861756000000.00 </a:t>
                       </a:r>
-                      <a:endParaRPr lang="en-US" altLang="zh-HK" sz="1200" b="0" i="0" u="none" strike="noStrike">
-                        <a:solidFill>
-                          <a:srgbClr val="000000"/>
-                        </a:solidFill>
-                        <a:effectLst/>
-                        <a:latin typeface="Times New Roman" panose="02020603050405020304" pitchFamily="18" charset="0"/>
-                        <a:ea typeface="新細明體" panose="02020500000000000000" pitchFamily="18" charset="-120"/>
-                      </a:endParaRPr>
                     </a:p>
                   </a:txBody>
                   <a:tcPr marL="4763" marR="4763" marT="4763" marB="0" anchor="ctr"/>
@@ -9112,19 +8962,16 @@
                     <a:p>
                       <a:pPr algn="r" fontAlgn="ctr"/>
                       <a:r>
-                        <a:rPr lang="en-US" altLang="zh-HK" sz="1200" u="none" strike="noStrike">
+                        <a:rPr lang="en-US" altLang="zh-HK" sz="1200" b="0" i="0" u="none" strike="noStrike">
+                          <a:solidFill>
+                            <a:srgbClr val="000000"/>
+                          </a:solidFill>
                           <a:effectLst/>
+                          <a:latin typeface="Times New Roman" panose="02020603050405020304" pitchFamily="18" charset="0"/>
+                          <a:ea typeface="新細明體" panose="02020500000000000000" pitchFamily="18" charset="-120"/>
                         </a:rPr>
-                        <a:t>58.50000 </a:t>
+                        <a:t>95.00000 </a:t>
                       </a:r>
-                      <a:endParaRPr lang="en-US" altLang="zh-HK" sz="1200" b="0" i="0" u="none" strike="noStrike">
-                        <a:solidFill>
-                          <a:srgbClr val="000000"/>
-                        </a:solidFill>
-                        <a:effectLst/>
-                        <a:latin typeface="Times New Roman" panose="02020603050405020304" pitchFamily="18" charset="0"/>
-                        <a:ea typeface="新細明體" panose="02020500000000000000" pitchFamily="18" charset="-120"/>
-                      </a:endParaRPr>
                     </a:p>
                   </a:txBody>
                   <a:tcPr marL="4763" marR="4763" marT="4763" marB="0" anchor="ctr"/>
@@ -9136,19 +8983,16 @@
                     <a:p>
                       <a:pPr algn="r" fontAlgn="ctr"/>
                       <a:r>
-                        <a:rPr lang="en-US" altLang="zh-HK" sz="1200" u="none" strike="noStrike">
+                        <a:rPr lang="en-US" altLang="zh-HK" sz="1200" b="0" i="0" u="none" strike="noStrike">
+                          <a:solidFill>
+                            <a:srgbClr val="000000"/>
+                          </a:solidFill>
                           <a:effectLst/>
+                          <a:latin typeface="Times New Roman" panose="02020603050405020304" pitchFamily="18" charset="0"/>
+                          <a:ea typeface="新細明體" panose="02020500000000000000" pitchFamily="18" charset="-120"/>
                         </a:rPr>
-                        <a:t>43.826786749 </a:t>
+                        <a:t>68.788017566 </a:t>
                       </a:r>
-                      <a:endParaRPr lang="en-US" altLang="zh-HK" sz="1200" b="0" i="0" u="none" strike="noStrike">
-                        <a:solidFill>
-                          <a:srgbClr val="000000"/>
-                        </a:solidFill>
-                        <a:effectLst/>
-                        <a:latin typeface="Times New Roman" panose="02020603050405020304" pitchFamily="18" charset="0"/>
-                        <a:ea typeface="新細明體" panose="02020500000000000000" pitchFamily="18" charset="-120"/>
-                      </a:endParaRPr>
                     </a:p>
                   </a:txBody>
                   <a:tcPr marL="4763" marR="4763" marT="4763" marB="0" anchor="ctr"/>
@@ -9167,19 +9011,16 @@
                     <a:p>
                       <a:pPr algn="r" fontAlgn="ctr"/>
                       <a:r>
-                        <a:rPr lang="en-US" altLang="zh-HK" sz="1200" u="none" strike="noStrike">
+                        <a:rPr lang="en-US" altLang="zh-HK" sz="1200" b="0" i="0" u="none" strike="noStrike">
+                          <a:solidFill>
+                            <a:srgbClr val="000000"/>
+                          </a:solidFill>
                           <a:effectLst/>
+                          <a:latin typeface="Times New Roman" panose="02020603050405020304" pitchFamily="18" charset="0"/>
+                          <a:ea typeface="新細明體" panose="02020500000000000000" pitchFamily="18" charset="-120"/>
                         </a:rPr>
-                        <a:t>1777301000000.00 </a:t>
+                        <a:t>3012374000000.00 </a:t>
                       </a:r>
-                      <a:endParaRPr lang="en-US" altLang="zh-HK" sz="1200" b="0" i="0" u="none" strike="noStrike">
-                        <a:solidFill>
-                          <a:srgbClr val="000000"/>
-                        </a:solidFill>
-                        <a:effectLst/>
-                        <a:latin typeface="Times New Roman" panose="02020603050405020304" pitchFamily="18" charset="0"/>
-                        <a:ea typeface="新細明體" panose="02020500000000000000" pitchFamily="18" charset="-120"/>
-                      </a:endParaRPr>
                     </a:p>
                   </a:txBody>
                   <a:tcPr marL="4763" marR="4763" marT="4763" marB="0" anchor="ctr"/>
@@ -9191,19 +9032,16 @@
                     <a:p>
                       <a:pPr algn="r" fontAlgn="ctr"/>
                       <a:r>
-                        <a:rPr lang="en-US" altLang="zh-HK" sz="1200" u="none" strike="noStrike">
+                        <a:rPr lang="en-US" altLang="zh-HK" sz="1200" b="0" i="0" u="none" strike="noStrike">
+                          <a:solidFill>
+                            <a:srgbClr val="000000"/>
+                          </a:solidFill>
                           <a:effectLst/>
+                          <a:latin typeface="Times New Roman" panose="02020603050405020304" pitchFamily="18" charset="0"/>
+                          <a:ea typeface="新細明體" panose="02020500000000000000" pitchFamily="18" charset="-120"/>
                         </a:rPr>
-                        <a:t>59.00000 </a:t>
+                        <a:t>100.00000 </a:t>
                       </a:r>
-                      <a:endParaRPr lang="en-US" altLang="zh-HK" sz="1200" b="0" i="0" u="none" strike="noStrike">
-                        <a:solidFill>
-                          <a:srgbClr val="000000"/>
-                        </a:solidFill>
-                        <a:effectLst/>
-                        <a:latin typeface="Times New Roman" panose="02020603050405020304" pitchFamily="18" charset="0"/>
-                        <a:ea typeface="新細明體" panose="02020500000000000000" pitchFamily="18" charset="-120"/>
-                      </a:endParaRPr>
                     </a:p>
                   </a:txBody>
                   <a:tcPr marL="4763" marR="4763" marT="4763" marB="0" anchor="ctr"/>
@@ -9215,19 +9053,16 @@
                     <a:p>
                       <a:pPr algn="r" fontAlgn="ctr"/>
                       <a:r>
-                        <a:rPr lang="en-US" altLang="zh-HK" sz="1200" u="none" strike="noStrike">
+                        <a:rPr lang="en-US" altLang="zh-HK" sz="1200" b="0" i="0" u="none" strike="noStrike" dirty="0">
+                          <a:solidFill>
+                            <a:srgbClr val="000000"/>
+                          </a:solidFill>
                           <a:effectLst/>
+                          <a:latin typeface="Times New Roman" panose="02020603050405020304" pitchFamily="18" charset="0"/>
+                          <a:ea typeface="新細明體" panose="02020500000000000000" pitchFamily="18" charset="-120"/>
                         </a:rPr>
-                        <a:t>43.816391112 </a:t>
+                        <a:t>17.874341150 </a:t>
                       </a:r>
-                      <a:endParaRPr lang="en-US" altLang="zh-HK" sz="1200" b="0" i="0" u="none" strike="noStrike">
-                        <a:solidFill>
-                          <a:srgbClr val="000000"/>
-                        </a:solidFill>
-                        <a:effectLst/>
-                        <a:latin typeface="Times New Roman" panose="02020603050405020304" pitchFamily="18" charset="0"/>
-                        <a:ea typeface="新細明體" panose="02020500000000000000" pitchFamily="18" charset="-120"/>
-                      </a:endParaRPr>
                     </a:p>
                   </a:txBody>
                   <a:tcPr marL="4763" marR="4763" marT="4763" marB="0" anchor="ctr"/>
@@ -9235,164 +9070,6 @@
                 <a:extLst>
                   <a:ext uri="{0D108BD9-81ED-4DB2-BD59-A6C34878D82A}">
                     <a16:rowId xmlns:a16="http://schemas.microsoft.com/office/drawing/2014/main" val="3223522239"/>
-                  </a:ext>
-                </a:extLst>
-              </a:tr>
-              <a:tr h="195580">
-                <a:tc>
-                  <a:txBody>
-                    <a:bodyPr/>
-                    <a:lstStyle/>
-                    <a:p>
-                      <a:pPr algn="r" fontAlgn="ctr"/>
-                      <a:r>
-                        <a:rPr lang="en-US" altLang="zh-HK" sz="1200" u="none" strike="noStrike">
-                          <a:effectLst/>
-                        </a:rPr>
-                        <a:t>1807424000000.00 </a:t>
-                      </a:r>
-                      <a:endParaRPr lang="en-US" altLang="zh-HK" sz="1200" b="0" i="0" u="none" strike="noStrike">
-                        <a:solidFill>
-                          <a:srgbClr val="000000"/>
-                        </a:solidFill>
-                        <a:effectLst/>
-                        <a:latin typeface="Times New Roman" panose="02020603050405020304" pitchFamily="18" charset="0"/>
-                        <a:ea typeface="新細明體" panose="02020500000000000000" pitchFamily="18" charset="-120"/>
-                      </a:endParaRPr>
-                    </a:p>
-                  </a:txBody>
-                  <a:tcPr marL="4763" marR="4763" marT="4763" marB="0" anchor="ctr"/>
-                </a:tc>
-                <a:tc>
-                  <a:txBody>
-                    <a:bodyPr/>
-                    <a:lstStyle/>
-                    <a:p>
-                      <a:pPr algn="r" fontAlgn="ctr"/>
-                      <a:r>
-                        <a:rPr lang="en-US" altLang="zh-HK" sz="1200" u="none" strike="noStrike">
-                          <a:effectLst/>
-                        </a:rPr>
-                        <a:t>60.00000 </a:t>
-                      </a:r>
-                      <a:endParaRPr lang="en-US" altLang="zh-HK" sz="1200" b="0" i="0" u="none" strike="noStrike">
-                        <a:solidFill>
-                          <a:srgbClr val="000000"/>
-                        </a:solidFill>
-                        <a:effectLst/>
-                        <a:latin typeface="Times New Roman" panose="02020603050405020304" pitchFamily="18" charset="0"/>
-                        <a:ea typeface="新細明體" panose="02020500000000000000" pitchFamily="18" charset="-120"/>
-                      </a:endParaRPr>
-                    </a:p>
-                  </a:txBody>
-                  <a:tcPr marL="4763" marR="4763" marT="4763" marB="0" anchor="ctr"/>
-                </a:tc>
-                <a:tc>
-                  <a:txBody>
-                    <a:bodyPr/>
-                    <a:lstStyle/>
-                    <a:p>
-                      <a:pPr algn="r" fontAlgn="ctr"/>
-                      <a:r>
-                        <a:rPr lang="en-US" altLang="zh-HK" sz="1200" u="none" strike="noStrike">
-                          <a:effectLst/>
-                        </a:rPr>
-                        <a:t>43.776030760 </a:t>
-                      </a:r>
-                      <a:endParaRPr lang="en-US" altLang="zh-HK" sz="1200" b="0" i="0" u="none" strike="noStrike">
-                        <a:solidFill>
-                          <a:srgbClr val="000000"/>
-                        </a:solidFill>
-                        <a:effectLst/>
-                        <a:latin typeface="Times New Roman" panose="02020603050405020304" pitchFamily="18" charset="0"/>
-                        <a:ea typeface="新細明體" panose="02020500000000000000" pitchFamily="18" charset="-120"/>
-                      </a:endParaRPr>
-                    </a:p>
-                  </a:txBody>
-                  <a:tcPr marL="4763" marR="4763" marT="4763" marB="0" anchor="ctr"/>
-                </a:tc>
-                <a:extLst>
-                  <a:ext uri="{0D108BD9-81ED-4DB2-BD59-A6C34878D82A}">
-                    <a16:rowId xmlns:a16="http://schemas.microsoft.com/office/drawing/2014/main" val="3380913350"/>
-                  </a:ext>
-                </a:extLst>
-              </a:tr>
-              <a:tr h="195580">
-                <a:tc>
-                  <a:txBody>
-                    <a:bodyPr/>
-                    <a:lstStyle/>
-                    <a:p>
-                      <a:pPr algn="r" fontAlgn="ctr"/>
-                      <a:r>
-                        <a:rPr lang="en-US" altLang="zh-HK" sz="1200" u="none" strike="noStrike">
-                          <a:effectLst/>
-                        </a:rPr>
-                        <a:t>1958043000000.00 </a:t>
-                      </a:r>
-                      <a:endParaRPr lang="en-US" altLang="zh-HK" sz="1200" b="0" i="0" u="none" strike="noStrike">
-                        <a:solidFill>
-                          <a:srgbClr val="000000"/>
-                        </a:solidFill>
-                        <a:effectLst/>
-                        <a:latin typeface="Times New Roman" panose="02020603050405020304" pitchFamily="18" charset="0"/>
-                        <a:ea typeface="新細明體" panose="02020500000000000000" pitchFamily="18" charset="-120"/>
-                      </a:endParaRPr>
-                    </a:p>
-                  </a:txBody>
-                  <a:tcPr marL="4763" marR="4763" marT="4763" marB="0" anchor="ctr"/>
-                </a:tc>
-                <a:tc>
-                  <a:txBody>
-                    <a:bodyPr/>
-                    <a:lstStyle/>
-                    <a:p>
-                      <a:pPr algn="r" fontAlgn="ctr"/>
-                      <a:r>
-                        <a:rPr lang="en-US" altLang="zh-HK" sz="1200" u="none" strike="noStrike">
-                          <a:effectLst/>
-                        </a:rPr>
-                        <a:t>65.00000 </a:t>
-                      </a:r>
-                      <a:endParaRPr lang="en-US" altLang="zh-HK" sz="1200" b="0" i="0" u="none" strike="noStrike">
-                        <a:solidFill>
-                          <a:srgbClr val="000000"/>
-                        </a:solidFill>
-                        <a:effectLst/>
-                        <a:latin typeface="Times New Roman" panose="02020603050405020304" pitchFamily="18" charset="0"/>
-                        <a:ea typeface="新細明體" panose="02020500000000000000" pitchFamily="18" charset="-120"/>
-                      </a:endParaRPr>
-                    </a:p>
-                  </a:txBody>
-                  <a:tcPr marL="4763" marR="4763" marT="4763" marB="0" anchor="ctr"/>
-                </a:tc>
-                <a:tc>
-                  <a:txBody>
-                    <a:bodyPr/>
-                    <a:lstStyle/>
-                    <a:p>
-                      <a:pPr algn="r" fontAlgn="ctr"/>
-                      <a:r>
-                        <a:rPr lang="en-US" altLang="zh-HK" sz="1200" u="none" strike="noStrike" dirty="0">
-                          <a:effectLst/>
-                        </a:rPr>
-                        <a:t>43.182786948 </a:t>
-                      </a:r>
-                      <a:endParaRPr lang="en-US" altLang="zh-HK" sz="1200" b="0" i="0" u="none" strike="noStrike" dirty="0">
-                        <a:solidFill>
-                          <a:srgbClr val="000000"/>
-                        </a:solidFill>
-                        <a:effectLst/>
-                        <a:latin typeface="Times New Roman" panose="02020603050405020304" pitchFamily="18" charset="0"/>
-                        <a:ea typeface="新細明體" panose="02020500000000000000" pitchFamily="18" charset="-120"/>
-                      </a:endParaRPr>
-                    </a:p>
-                  </a:txBody>
-                  <a:tcPr marL="4763" marR="4763" marT="4763" marB="0" anchor="ctr"/>
-                </a:tc>
-                <a:extLst>
-                  <a:ext uri="{0D108BD9-81ED-4DB2-BD59-A6C34878D82A}">
-                    <a16:rowId xmlns:a16="http://schemas.microsoft.com/office/drawing/2014/main" val="1811833496"/>
                   </a:ext>
                 </a:extLst>
               </a:tr>
@@ -9569,6 +9246,36 @@
           </a:p>
         </p:txBody>
       </p:sp>
+      <p:graphicFrame>
+        <p:nvGraphicFramePr>
+          <p:cNvPr id="3" name="圖表 2">
+            <a:extLst>
+              <a:ext uri="{FF2B5EF4-FFF2-40B4-BE49-F238E27FC236}">
+                <a16:creationId xmlns:a16="http://schemas.microsoft.com/office/drawing/2014/main" id="{BADE63CF-33E2-453A-B5F5-F9F683F0589B}"/>
+              </a:ext>
+            </a:extLst>
+          </p:cNvPr>
+          <p:cNvGraphicFramePr>
+            <a:graphicFrameLocks/>
+          </p:cNvGraphicFramePr>
+          <p:nvPr>
+            <p:extLst>
+              <p:ext uri="{D42A27DB-BD31-4B8C-83A1-F6EECF244321}">
+                <p14:modId xmlns:p14="http://schemas.microsoft.com/office/powerpoint/2010/main" val="1052917758"/>
+              </p:ext>
+            </p:extLst>
+          </p:nvPr>
+        </p:nvGraphicFramePr>
+        <p:xfrm>
+          <a:off x="4347385" y="1591917"/>
+          <a:ext cx="7636670" cy="4588670"/>
+        </p:xfrm>
+        <a:graphic>
+          <a:graphicData uri="http://schemas.openxmlformats.org/drawingml/2006/chart">
+            <c:chart xmlns:c="http://schemas.openxmlformats.org/drawingml/2006/chart" xmlns:r="http://schemas.openxmlformats.org/officeDocument/2006/relationships" r:id="rId2"/>
+          </a:graphicData>
+        </a:graphic>
+      </p:graphicFrame>
     </p:spTree>
     <p:extLst>
       <p:ext uri="{BB962C8B-B14F-4D97-AF65-F5344CB8AC3E}">
